--- a/presentation.pptx
+++ b/presentation.pptx
@@ -315,7 +315,7 @@
             <a:fld id="{B61BEF0D-F0BB-DE4B-95CE-6DB70DBA9567}" type="datetimeFigureOut">
               <a:rPr lang="en-US" dirty="0"/>
               <a:pPr/>
-              <a:t>3/15/2022</a:t>
+              <a:t>3/17/2022</a:t>
             </a:fld>
             <a:endParaRPr lang="en-US" dirty="0"/>
           </a:p>
@@ -650,7 +650,7 @@
             <a:fld id="{B61BEF0D-F0BB-DE4B-95CE-6DB70DBA9567}" type="datetimeFigureOut">
               <a:rPr lang="en-US" dirty="0"/>
               <a:pPr/>
-              <a:t>3/15/2022</a:t>
+              <a:t>3/17/2022</a:t>
             </a:fld>
             <a:endParaRPr lang="en-US" dirty="0"/>
           </a:p>
@@ -1048,7 +1048,7 @@
             <a:fld id="{B61BEF0D-F0BB-DE4B-95CE-6DB70DBA9567}" type="datetimeFigureOut">
               <a:rPr lang="en-US" dirty="0"/>
               <a:pPr/>
-              <a:t>3/15/2022</a:t>
+              <a:t>3/17/2022</a:t>
             </a:fld>
             <a:endParaRPr lang="en-US" dirty="0"/>
           </a:p>
@@ -1381,7 +1381,7 @@
             <a:fld id="{B61BEF0D-F0BB-DE4B-95CE-6DB70DBA9567}" type="datetimeFigureOut">
               <a:rPr lang="en-US" dirty="0"/>
               <a:pPr/>
-              <a:t>3/15/2022</a:t>
+              <a:t>3/17/2022</a:t>
             </a:fld>
             <a:endParaRPr lang="en-US" dirty="0"/>
           </a:p>
@@ -1698,7 +1698,7 @@
             <a:fld id="{B61BEF0D-F0BB-DE4B-95CE-6DB70DBA9567}" type="datetimeFigureOut">
               <a:rPr lang="en-US" dirty="0"/>
               <a:pPr/>
-              <a:t>3/15/2022</a:t>
+              <a:t>3/17/2022</a:t>
             </a:fld>
             <a:endParaRPr lang="en-US" dirty="0"/>
           </a:p>
@@ -2091,7 +2091,7 @@
             <a:fld id="{B61BEF0D-F0BB-DE4B-95CE-6DB70DBA9567}" type="datetimeFigureOut">
               <a:rPr lang="en-US" dirty="0"/>
               <a:pPr/>
-              <a:t>3/15/2022</a:t>
+              <a:t>3/17/2022</a:t>
             </a:fld>
             <a:endParaRPr lang="en-US" dirty="0"/>
           </a:p>
@@ -2345,7 +2345,7 @@
             <a:fld id="{B61BEF0D-F0BB-DE4B-95CE-6DB70DBA9567}" type="datetimeFigureOut">
               <a:rPr lang="en-US" dirty="0"/>
               <a:pPr/>
-              <a:t>3/15/2022</a:t>
+              <a:t>3/17/2022</a:t>
             </a:fld>
             <a:endParaRPr lang="en-US" dirty="0"/>
           </a:p>
@@ -2604,7 +2604,7 @@
             <a:fld id="{B61BEF0D-F0BB-DE4B-95CE-6DB70DBA9567}" type="datetimeFigureOut">
               <a:rPr lang="en-US" dirty="0"/>
               <a:pPr/>
-              <a:t>3/15/2022</a:t>
+              <a:t>3/17/2022</a:t>
             </a:fld>
             <a:endParaRPr lang="en-US" dirty="0"/>
           </a:p>
@@ -2863,7 +2863,7 @@
             <a:fld id="{B61BEF0D-F0BB-DE4B-95CE-6DB70DBA9567}" type="datetimeFigureOut">
               <a:rPr lang="en-US" dirty="0"/>
               <a:pPr/>
-              <a:t>3/15/2022</a:t>
+              <a:t>3/17/2022</a:t>
             </a:fld>
             <a:endParaRPr lang="en-US" dirty="0"/>
           </a:p>
@@ -3189,7 +3189,7 @@
             <a:fld id="{B61BEF0D-F0BB-DE4B-95CE-6DB70DBA9567}" type="datetimeFigureOut">
               <a:rPr lang="en-US" dirty="0"/>
               <a:pPr/>
-              <a:t>3/15/2022</a:t>
+              <a:t>3/17/2022</a:t>
             </a:fld>
             <a:endParaRPr lang="en-US" dirty="0"/>
           </a:p>
@@ -3509,7 +3509,7 @@
             <a:fld id="{B61BEF0D-F0BB-DE4B-95CE-6DB70DBA9567}" type="datetimeFigureOut">
               <a:rPr lang="en-US" dirty="0"/>
               <a:pPr/>
-              <a:t>3/15/2022</a:t>
+              <a:t>3/17/2022</a:t>
             </a:fld>
             <a:endParaRPr lang="en-US" dirty="0"/>
           </a:p>
@@ -3963,7 +3963,7 @@
             <a:fld id="{B61BEF0D-F0BB-DE4B-95CE-6DB70DBA9567}" type="datetimeFigureOut">
               <a:rPr lang="en-US" dirty="0"/>
               <a:pPr/>
-              <a:t>3/15/2022</a:t>
+              <a:t>3/17/2022</a:t>
             </a:fld>
             <a:endParaRPr lang="en-US" dirty="0"/>
           </a:p>
@@ -4165,7 +4165,7 @@
             <a:fld id="{B61BEF0D-F0BB-DE4B-95CE-6DB70DBA9567}" type="datetimeFigureOut">
               <a:rPr lang="en-US" dirty="0"/>
               <a:pPr/>
-              <a:t>3/15/2022</a:t>
+              <a:t>3/17/2022</a:t>
             </a:fld>
             <a:endParaRPr lang="en-US" dirty="0"/>
           </a:p>
@@ -4339,7 +4339,7 @@
             <a:fld id="{B61BEF0D-F0BB-DE4B-95CE-6DB70DBA9567}" type="datetimeFigureOut">
               <a:rPr lang="en-US" dirty="0"/>
               <a:pPr/>
-              <a:t>3/15/2022</a:t>
+              <a:t>3/17/2022</a:t>
             </a:fld>
             <a:endParaRPr lang="en-US" dirty="0"/>
           </a:p>
@@ -4669,7 +4669,7 @@
             <a:fld id="{B61BEF0D-F0BB-DE4B-95CE-6DB70DBA9567}" type="datetimeFigureOut">
               <a:rPr lang="en-US" dirty="0"/>
               <a:pPr/>
-              <a:t>3/15/2022</a:t>
+              <a:t>3/17/2022</a:t>
             </a:fld>
             <a:endParaRPr lang="en-US" dirty="0"/>
           </a:p>
@@ -5011,7 +5011,7 @@
             <a:fld id="{B61BEF0D-F0BB-DE4B-95CE-6DB70DBA9567}" type="datetimeFigureOut">
               <a:rPr lang="en-US" dirty="0"/>
               <a:pPr/>
-              <a:t>3/15/2022</a:t>
+              <a:t>3/17/2022</a:t>
             </a:fld>
             <a:endParaRPr lang="en-US" dirty="0"/>
           </a:p>
@@ -7125,7 +7125,7 @@
             <a:fld id="{B61BEF0D-F0BB-DE4B-95CE-6DB70DBA9567}" type="datetimeFigureOut">
               <a:rPr lang="en-US" dirty="0"/>
               <a:pPr/>
-              <a:t>3/15/2022</a:t>
+              <a:t>3/17/2022</a:t>
             </a:fld>
             <a:endParaRPr lang="en-US" dirty="0"/>
           </a:p>
@@ -7640,66 +7640,6 @@
       </p:grpSpPr>
       <p:pic>
         <p:nvPicPr>
-          <p:cNvPr id="4" name="Picture 3" descr="dark-blue-pattern-hd-ppt-templates.jpg">
-            <a:extLst>
-              <a:ext uri="{FF2B5EF4-FFF2-40B4-BE49-F238E27FC236}">
-                <a16:creationId xmlns:a16="http://schemas.microsoft.com/office/drawing/2014/main" id="{AF9ED55B-F121-4BA9-9AAF-E7B59AFA869B}"/>
-              </a:ext>
-            </a:extLst>
-          </p:cNvPr>
-          <p:cNvPicPr>
-            <a:picLocks noChangeAspect="1"/>
-          </p:cNvPicPr>
-          <p:nvPr/>
-        </p:nvPicPr>
-        <p:blipFill>
-          <a:blip r:embed="rId2"/>
-          <a:stretch>
-            <a:fillRect/>
-          </a:stretch>
-        </p:blipFill>
-        <p:spPr>
-          <a:xfrm>
-            <a:off x="1" y="0"/>
-            <a:ext cx="12188824" cy="6858000"/>
-          </a:xfrm>
-          <a:prstGeom prst="rect">
-            <a:avLst/>
-          </a:prstGeom>
-          <a:solidFill>
-            <a:srgbClr val="FFFFFF">
-              <a:shade val="85000"/>
-            </a:srgbClr>
-          </a:solidFill>
-          <a:ln w="88900" cap="sq">
-            <a:solidFill>
-              <a:srgbClr val="FFFFFF"/>
-            </a:solidFill>
-            <a:miter lim="800000"/>
-          </a:ln>
-          <a:effectLst>
-            <a:outerShdw blurRad="55000" dist="18000" dir="5400000" algn="tl" rotWithShape="0">
-              <a:srgbClr val="000000">
-                <a:alpha val="40000"/>
-              </a:srgbClr>
-            </a:outerShdw>
-          </a:effectLst>
-          <a:scene3d>
-            <a:camera prst="orthographicFront"/>
-            <a:lightRig rig="twoPt" dir="t">
-              <a:rot lat="0" lon="0" rev="7200000"/>
-            </a:lightRig>
-          </a:scene3d>
-          <a:sp3d>
-            <a:bevelT w="25400" h="19050"/>
-            <a:contourClr>
-              <a:srgbClr val="FFFFFF"/>
-            </a:contourClr>
-          </a:sp3d>
-        </p:spPr>
-      </p:pic>
-      <p:pic>
-        <p:nvPicPr>
           <p:cNvPr id="5" name="Picture 4">
             <a:extLst>
               <a:ext uri="{FF2B5EF4-FFF2-40B4-BE49-F238E27FC236}">
@@ -7713,7 +7653,7 @@
           <p:nvPr/>
         </p:nvPicPr>
         <p:blipFill>
-          <a:blip r:embed="rId3" cstate="print">
+          <a:blip r:embed="rId2" cstate="print">
             <a:extLst>
               <a:ext uri="{28A0092B-C50C-407E-A947-70E740481C1C}">
                 <a14:useLocalDpi xmlns:a14="http://schemas.microsoft.com/office/drawing/2010/main" val="0"/>
@@ -7767,18 +7707,12 @@
             </a:pPr>
             <a:r>
               <a:rPr lang="en-IN" sz="4000" b="1" dirty="0">
-                <a:solidFill>
-                  <a:prstClr val="white"/>
-                </a:solidFill>
                 <a:latin typeface="Times New Roman" panose="02020603050405020304" pitchFamily="18" charset="0"/>
                 <a:cs typeface="Times New Roman" panose="02020603050405020304" pitchFamily="18" charset="0"/>
               </a:rPr>
               <a:t>A P S COLLEGE OF ENGINEERING</a:t>
             </a:r>
             <a:endParaRPr lang="en-US" sz="4000" b="1" dirty="0">
-              <a:solidFill>
-                <a:prstClr val="white"/>
-              </a:solidFill>
               <a:latin typeface="Corbel" panose="020B0503020204020204"/>
             </a:endParaRPr>
           </a:p>
@@ -7817,18 +7751,12 @@
             </a:pPr>
             <a:r>
               <a:rPr lang="en-IN" sz="2400" b="1" dirty="0">
-                <a:solidFill>
-                  <a:prstClr val="white"/>
-                </a:solidFill>
                 <a:latin typeface="Times New Roman" panose="02020603050405020304" pitchFamily="18" charset="0"/>
                 <a:cs typeface="Times New Roman" panose="02020603050405020304" pitchFamily="18" charset="0"/>
               </a:rPr>
               <a:t>DEPARTMENT OF INFORMATION SCIENCE AND ENGINEERING</a:t>
             </a:r>
             <a:endParaRPr lang="en-US" sz="2400" b="1" dirty="0">
-              <a:solidFill>
-                <a:prstClr val="white"/>
-              </a:solidFill>
               <a:latin typeface="Corbel" panose="020B0503020204020204"/>
             </a:endParaRPr>
           </a:p>
@@ -7849,7 +7777,7 @@
           <p:nvPr/>
         </p:nvPicPr>
         <p:blipFill>
-          <a:blip r:embed="rId4"/>
+          <a:blip r:embed="rId3"/>
           <a:stretch>
             <a:fillRect/>
           </a:stretch>
@@ -7897,12 +7825,6 @@
             </a:pPr>
             <a:r>
               <a:rPr lang="en-IN" sz="2800" b="1" dirty="0">
-                <a:solidFill>
-                  <a:prstClr val="white">
-                    <a:lumMod val="95000"/>
-                    <a:lumOff val="5000"/>
-                  </a:prstClr>
-                </a:solidFill>
                 <a:latin typeface="Times New Roman" panose="02020603050405020304" pitchFamily="18" charset="0"/>
                 <a:cs typeface="Times New Roman" panose="02020603050405020304" pitchFamily="18" charset="0"/>
               </a:rPr>
@@ -7944,18 +7866,12 @@
             </a:pPr>
             <a:r>
               <a:rPr lang="en-US" sz="3600" b="1" dirty="0">
-                <a:solidFill>
-                  <a:prstClr val="white"/>
-                </a:solidFill>
                 <a:latin typeface="Times New Roman" panose="02020603050405020304" pitchFamily="18" charset="0"/>
                 <a:cs typeface="Times New Roman" panose="02020603050405020304" pitchFamily="18" charset="0"/>
               </a:rPr>
               <a:t>WEBSITE FOR VDP SOLUTIONS PVT LTD.</a:t>
             </a:r>
             <a:endParaRPr lang="en-IN" sz="3600" b="1" dirty="0">
-              <a:solidFill>
-                <a:prstClr val="white"/>
-              </a:solidFill>
               <a:latin typeface="Times New Roman" panose="02020603050405020304" pitchFamily="18" charset="0"/>
               <a:cs typeface="Times New Roman" panose="02020603050405020304" pitchFamily="18" charset="0"/>
             </a:endParaRPr>
@@ -7995,12 +7911,6 @@
             </a:pPr>
             <a:r>
               <a:rPr lang="en-IN" sz="2000" dirty="0">
-                <a:solidFill>
-                  <a:prstClr val="white">
-                    <a:lumMod val="95000"/>
-                    <a:lumOff val="5000"/>
-                  </a:prstClr>
-                </a:solidFill>
                 <a:latin typeface="Times New Roman" panose="02020603050405020304" pitchFamily="18" charset="0"/>
                 <a:cs typeface="Times New Roman" panose="02020603050405020304" pitchFamily="18" charset="0"/>
               </a:rPr>
@@ -8013,12 +7923,6 @@
             </a:pPr>
             <a:r>
               <a:rPr lang="en-IN" sz="2000" dirty="0">
-                <a:solidFill>
-                  <a:prstClr val="white">
-                    <a:lumMod val="95000"/>
-                    <a:lumOff val="5000"/>
-                  </a:prstClr>
-                </a:solidFill>
                 <a:latin typeface="Times New Roman" panose="02020603050405020304" pitchFamily="18" charset="0"/>
                 <a:cs typeface="Times New Roman" panose="02020603050405020304" pitchFamily="18" charset="0"/>
               </a:rPr>
@@ -8031,12 +7935,6 @@
             </a:pPr>
             <a:r>
               <a:rPr lang="en-IN" sz="2000" dirty="0">
-                <a:solidFill>
-                  <a:prstClr val="white">
-                    <a:lumMod val="95000"/>
-                    <a:lumOff val="5000"/>
-                  </a:prstClr>
-                </a:solidFill>
                 <a:latin typeface="Times New Roman" panose="02020603050405020304" pitchFamily="18" charset="0"/>
                 <a:cs typeface="Times New Roman" panose="02020603050405020304" pitchFamily="18" charset="0"/>
               </a:rPr>
@@ -8086,12 +7984,6 @@
             </a:pPr>
             <a:r>
               <a:rPr lang="en-IN" sz="2000" dirty="0">
-                <a:solidFill>
-                  <a:prstClr val="white">
-                    <a:lumMod val="95000"/>
-                    <a:lumOff val="5000"/>
-                  </a:prstClr>
-                </a:solidFill>
                 <a:latin typeface="Times New Roman" panose="02020603050405020304" pitchFamily="18" charset="0"/>
                 <a:cs typeface="Times New Roman" panose="02020603050405020304" pitchFamily="18" charset="0"/>
               </a:rPr>
@@ -8106,9 +7998,6 @@
             </a:r>
             <a:r>
               <a:rPr lang="en-US" sz="2000" dirty="0">
-                <a:solidFill>
-                  <a:schemeClr val="bg1"/>
-                </a:solidFill>
                 <a:latin typeface="Times New Roman" pitchFamily="18" charset="0"/>
                 <a:cs typeface="Times New Roman" pitchFamily="18" charset="0"/>
               </a:rPr>
@@ -8119,9 +8008,6 @@
             <a:pPr algn="ctr"/>
             <a:r>
               <a:rPr lang="en-US" sz="2000" dirty="0">
-                <a:solidFill>
-                  <a:schemeClr val="bg1"/>
-                </a:solidFill>
                 <a:latin typeface="Times New Roman" pitchFamily="18" charset="0"/>
                 <a:cs typeface="Times New Roman" pitchFamily="18" charset="0"/>
               </a:rPr>
@@ -8161,9 +8047,6 @@
             <a:pPr algn="ctr"/>
             <a:r>
               <a:rPr lang="en-US" sz="2000" dirty="0">
-                <a:solidFill>
-                  <a:schemeClr val="bg1"/>
-                </a:solidFill>
                 <a:latin typeface="Times New Roman" pitchFamily="18" charset="0"/>
                 <a:cs typeface="Times New Roman" pitchFamily="18" charset="0"/>
               </a:rPr>
@@ -8174,9 +8057,6 @@
             <a:pPr algn="ctr"/>
             <a:r>
               <a:rPr lang="en-US" sz="2000" dirty="0">
-                <a:solidFill>
-                  <a:schemeClr val="bg1"/>
-                </a:solidFill>
                 <a:latin typeface="Times New Roman" pitchFamily="18" charset="0"/>
                 <a:cs typeface="Times New Roman" pitchFamily="18" charset="0"/>
               </a:rPr>
@@ -8187,9 +8067,6 @@
             <a:pPr algn="ctr"/>
             <a:r>
               <a:rPr lang="en-US" sz="2000" dirty="0">
-                <a:solidFill>
-                  <a:schemeClr val="bg1"/>
-                </a:solidFill>
                 <a:latin typeface="Times New Roman" pitchFamily="18" charset="0"/>
                 <a:cs typeface="Times New Roman" pitchFamily="18" charset="0"/>
               </a:rPr>
@@ -8319,7 +8196,7 @@
           <a:graphicData uri="http://schemas.openxmlformats.org/presentationml/2006/ole">
             <mc:AlternateContent xmlns:mc="http://schemas.openxmlformats.org/markup-compatibility/2006">
               <mc:Choice xmlns:v="urn:schemas-microsoft-com:vml" Requires="v">
-                <p:oleObj spid="_x0000_s2085" name="Bitmap Image" r:id="rId3" imgW="6713280" imgH="4328280" progId="Paint.Picture">
+                <p:oleObj spid="_x0000_s2093" name="Bitmap Image" r:id="rId3" imgW="6713280" imgH="4328280" progId="Paint.Picture">
                   <p:embed/>
                 </p:oleObj>
               </mc:Choice>
@@ -9458,13 +9335,13 @@
   <p:clrMapOvr>
     <a:masterClrMapping/>
   </p:clrMapOvr>
-  <mc:AlternateContent xmlns:mc="http://schemas.openxmlformats.org/markup-compatibility/2006">
-    <mc:Choice xmlns:p159="http://schemas.microsoft.com/office/powerpoint/2015/09/main" Requires="p159">
+  <mc:AlternateContent xmlns:mc="http://schemas.openxmlformats.org/markup-compatibility/2006" xmlns:p159="http://schemas.microsoft.com/office/powerpoint/2015/09/main">
+    <mc:Choice Requires="p159">
       <p:transition xmlns:p14="http://schemas.microsoft.com/office/powerpoint/2010/main" spd="slow" p14:dur="2000">
         <p159:morph option="byObject"/>
       </p:transition>
     </mc:Choice>
-    <mc:Fallback>
+    <mc:Fallback xmlns="">
       <p:transition spd="slow">
         <p:fade/>
       </p:transition>
@@ -9950,13 +9827,13 @@
   <p:clrMapOvr>
     <a:masterClrMapping/>
   </p:clrMapOvr>
-  <mc:AlternateContent xmlns:mc="http://schemas.openxmlformats.org/markup-compatibility/2006">
-    <mc:Choice xmlns:p159="http://schemas.microsoft.com/office/powerpoint/2015/09/main" Requires="p159">
+  <mc:AlternateContent xmlns:mc="http://schemas.openxmlformats.org/markup-compatibility/2006" xmlns:p159="http://schemas.microsoft.com/office/powerpoint/2015/09/main">
+    <mc:Choice Requires="p159">
       <p:transition xmlns:p14="http://schemas.microsoft.com/office/powerpoint/2010/main" spd="slow" p14:dur="2000">
         <p159:morph option="byObject"/>
       </p:transition>
     </mc:Choice>
-    <mc:Fallback>
+    <mc:Fallback xmlns="">
       <p:transition spd="slow">
         <p:fade/>
       </p:transition>
@@ -10373,13 +10250,13 @@
   <p:clrMapOvr>
     <a:masterClrMapping/>
   </p:clrMapOvr>
-  <mc:AlternateContent xmlns:mc="http://schemas.openxmlformats.org/markup-compatibility/2006">
-    <mc:Choice xmlns:p159="http://schemas.microsoft.com/office/powerpoint/2015/09/main" Requires="p159">
+  <mc:AlternateContent xmlns:mc="http://schemas.openxmlformats.org/markup-compatibility/2006" xmlns:p159="http://schemas.microsoft.com/office/powerpoint/2015/09/main">
+    <mc:Choice Requires="p159">
       <p:transition xmlns:p14="http://schemas.microsoft.com/office/powerpoint/2010/main" spd="slow" p14:dur="2000">
         <p159:morph option="byObject"/>
       </p:transition>
     </mc:Choice>
-    <mc:Fallback>
+    <mc:Fallback xmlns="">
       <p:transition spd="slow">
         <p:fade/>
       </p:transition>
@@ -10567,13 +10444,13 @@
   <p:clrMapOvr>
     <a:masterClrMapping/>
   </p:clrMapOvr>
-  <mc:AlternateContent xmlns:mc="http://schemas.openxmlformats.org/markup-compatibility/2006">
-    <mc:Choice xmlns:p159="http://schemas.microsoft.com/office/powerpoint/2015/09/main" Requires="p159">
+  <mc:AlternateContent xmlns:mc="http://schemas.openxmlformats.org/markup-compatibility/2006" xmlns:p159="http://schemas.microsoft.com/office/powerpoint/2015/09/main">
+    <mc:Choice Requires="p159">
       <p:transition xmlns:p14="http://schemas.microsoft.com/office/powerpoint/2010/main" spd="slow" p14:dur="2000">
         <p159:morph option="byObject"/>
       </p:transition>
     </mc:Choice>
-    <mc:Fallback>
+    <mc:Fallback xmlns="">
       <p:transition spd="slow">
         <p:fade/>
       </p:transition>
@@ -10615,44 +10492,31 @@
             <p:ph type="title"/>
           </p:nvPr>
         </p:nvSpPr>
-        <p:spPr/>
-        <p:txBody>
-          <a:bodyPr/>
-          <a:lstStyle/>
-          <a:p>
-            <a:endParaRPr lang="en-IN"/>
-          </a:p>
-        </p:txBody>
-      </p:sp>
-      <p:pic>
-        <p:nvPicPr>
-          <p:cNvPr id="4" name="Content Placeholder 3" descr="label-thank-you-natural-looking-green-leaves-wood-as-background-31166319.jpg">
-            <a:extLst>
-              <a:ext uri="{FF2B5EF4-FFF2-40B4-BE49-F238E27FC236}">
-                <a16:creationId xmlns:a16="http://schemas.microsoft.com/office/drawing/2014/main" id="{8DAF1FD0-0559-4B84-8CE1-575F1F67E283}"/>
-              </a:ext>
-            </a:extLst>
-          </p:cNvPr>
-          <p:cNvPicPr>
-            <a:picLocks noGrp="1" noChangeAspect="1"/>
-          </p:cNvPicPr>
-          <p:nvPr>
-            <p:ph idx="1"/>
-          </p:nvPr>
-        </p:nvPicPr>
-        <p:blipFill>
-          <a:blip r:embed="rId2"/>
-          <a:stretch>
-            <a:fillRect/>
-          </a:stretch>
-        </p:blipFill>
         <p:spPr>
           <a:xfrm>
-            <a:off x="0" y="0"/>
-            <a:ext cx="12188825" cy="6858000"/>
+            <a:off x="2906689" y="3188016"/>
+            <a:ext cx="4713311" cy="1280890"/>
           </a:xfrm>
         </p:spPr>
-      </p:pic>
+        <p:txBody>
+          <a:bodyPr>
+            <a:noAutofit/>
+          </a:bodyPr>
+          <a:lstStyle/>
+          <a:p>
+            <a:r>
+              <a:rPr lang="en-IN" sz="5400" b="1" dirty="0">
+                <a:solidFill>
+                  <a:srgbClr val="002060"/>
+                </a:solidFill>
+                <a:latin typeface="Times New Roman" panose="02020603050405020304" pitchFamily="18" charset="0"/>
+                <a:cs typeface="Times New Roman" panose="02020603050405020304" pitchFamily="18" charset="0"/>
+              </a:rPr>
+              <a:t>THANK YOU.</a:t>
+            </a:r>
+          </a:p>
+        </p:txBody>
+      </p:sp>
     </p:spTree>
     <p:extLst>
       <p:ext uri="{BB962C8B-B14F-4D97-AF65-F5344CB8AC3E}">
@@ -10663,13 +10527,13 @@
   <p:clrMapOvr>
     <a:masterClrMapping/>
   </p:clrMapOvr>
-  <mc:AlternateContent xmlns:mc="http://schemas.openxmlformats.org/markup-compatibility/2006">
-    <mc:Choice xmlns:p159="http://schemas.microsoft.com/office/powerpoint/2015/09/main" Requires="p159">
+  <mc:AlternateContent xmlns:mc="http://schemas.openxmlformats.org/markup-compatibility/2006" xmlns:p159="http://schemas.microsoft.com/office/powerpoint/2015/09/main">
+    <mc:Choice Requires="p159">
       <p:transition xmlns:p14="http://schemas.microsoft.com/office/powerpoint/2010/main" spd="slow" p14:dur="2000">
         <p159:morph option="byObject"/>
       </p:transition>
     </mc:Choice>
-    <mc:Fallback>
+    <mc:Fallback xmlns="">
       <p:transition spd="slow">
         <p:fade/>
       </p:transition>
@@ -17422,7 +17286,7 @@
           <a:graphicData uri="http://schemas.openxmlformats.org/presentationml/2006/ole">
             <mc:AlternateContent xmlns:mc="http://schemas.openxmlformats.org/markup-compatibility/2006">
               <mc:Choice xmlns:v="urn:schemas-microsoft-com:vml" Requires="v">
-                <p:oleObj spid="_x0000_s1067" name="Bitmap Image" r:id="rId3" imgW="6408360" imgH="3954960" progId="Paint.Picture">
+                <p:oleObj spid="_x0000_s1075" name="Bitmap Image" r:id="rId3" imgW="6408360" imgH="3954960" progId="Paint.Picture">
                   <p:embed/>
                 </p:oleObj>
               </mc:Choice>

--- a/presentation.pptx
+++ b/presentation.pptx
@@ -315,7 +315,7 @@
             <a:fld id="{B61BEF0D-F0BB-DE4B-95CE-6DB70DBA9567}" type="datetimeFigureOut">
               <a:rPr lang="en-US" dirty="0"/>
               <a:pPr/>
-              <a:t>3/17/2022</a:t>
+              <a:t>3/25/2022</a:t>
             </a:fld>
             <a:endParaRPr lang="en-US" dirty="0"/>
           </a:p>
@@ -650,7 +650,7 @@
             <a:fld id="{B61BEF0D-F0BB-DE4B-95CE-6DB70DBA9567}" type="datetimeFigureOut">
               <a:rPr lang="en-US" dirty="0"/>
               <a:pPr/>
-              <a:t>3/17/2022</a:t>
+              <a:t>3/25/2022</a:t>
             </a:fld>
             <a:endParaRPr lang="en-US" dirty="0"/>
           </a:p>
@@ -1048,7 +1048,7 @@
             <a:fld id="{B61BEF0D-F0BB-DE4B-95CE-6DB70DBA9567}" type="datetimeFigureOut">
               <a:rPr lang="en-US" dirty="0"/>
               <a:pPr/>
-              <a:t>3/17/2022</a:t>
+              <a:t>3/25/2022</a:t>
             </a:fld>
             <a:endParaRPr lang="en-US" dirty="0"/>
           </a:p>
@@ -1381,7 +1381,7 @@
             <a:fld id="{B61BEF0D-F0BB-DE4B-95CE-6DB70DBA9567}" type="datetimeFigureOut">
               <a:rPr lang="en-US" dirty="0"/>
               <a:pPr/>
-              <a:t>3/17/2022</a:t>
+              <a:t>3/25/2022</a:t>
             </a:fld>
             <a:endParaRPr lang="en-US" dirty="0"/>
           </a:p>
@@ -1698,7 +1698,7 @@
             <a:fld id="{B61BEF0D-F0BB-DE4B-95CE-6DB70DBA9567}" type="datetimeFigureOut">
               <a:rPr lang="en-US" dirty="0"/>
               <a:pPr/>
-              <a:t>3/17/2022</a:t>
+              <a:t>3/25/2022</a:t>
             </a:fld>
             <a:endParaRPr lang="en-US" dirty="0"/>
           </a:p>
@@ -2091,7 +2091,7 @@
             <a:fld id="{B61BEF0D-F0BB-DE4B-95CE-6DB70DBA9567}" type="datetimeFigureOut">
               <a:rPr lang="en-US" dirty="0"/>
               <a:pPr/>
-              <a:t>3/17/2022</a:t>
+              <a:t>3/25/2022</a:t>
             </a:fld>
             <a:endParaRPr lang="en-US" dirty="0"/>
           </a:p>
@@ -2345,7 +2345,7 @@
             <a:fld id="{B61BEF0D-F0BB-DE4B-95CE-6DB70DBA9567}" type="datetimeFigureOut">
               <a:rPr lang="en-US" dirty="0"/>
               <a:pPr/>
-              <a:t>3/17/2022</a:t>
+              <a:t>3/25/2022</a:t>
             </a:fld>
             <a:endParaRPr lang="en-US" dirty="0"/>
           </a:p>
@@ -2604,7 +2604,7 @@
             <a:fld id="{B61BEF0D-F0BB-DE4B-95CE-6DB70DBA9567}" type="datetimeFigureOut">
               <a:rPr lang="en-US" dirty="0"/>
               <a:pPr/>
-              <a:t>3/17/2022</a:t>
+              <a:t>3/25/2022</a:t>
             </a:fld>
             <a:endParaRPr lang="en-US" dirty="0"/>
           </a:p>
@@ -2863,7 +2863,7 @@
             <a:fld id="{B61BEF0D-F0BB-DE4B-95CE-6DB70DBA9567}" type="datetimeFigureOut">
               <a:rPr lang="en-US" dirty="0"/>
               <a:pPr/>
-              <a:t>3/17/2022</a:t>
+              <a:t>3/25/2022</a:t>
             </a:fld>
             <a:endParaRPr lang="en-US" dirty="0"/>
           </a:p>
@@ -3189,7 +3189,7 @@
             <a:fld id="{B61BEF0D-F0BB-DE4B-95CE-6DB70DBA9567}" type="datetimeFigureOut">
               <a:rPr lang="en-US" dirty="0"/>
               <a:pPr/>
-              <a:t>3/17/2022</a:t>
+              <a:t>3/25/2022</a:t>
             </a:fld>
             <a:endParaRPr lang="en-US" dirty="0"/>
           </a:p>
@@ -3509,7 +3509,7 @@
             <a:fld id="{B61BEF0D-F0BB-DE4B-95CE-6DB70DBA9567}" type="datetimeFigureOut">
               <a:rPr lang="en-US" dirty="0"/>
               <a:pPr/>
-              <a:t>3/17/2022</a:t>
+              <a:t>3/25/2022</a:t>
             </a:fld>
             <a:endParaRPr lang="en-US" dirty="0"/>
           </a:p>
@@ -3963,7 +3963,7 @@
             <a:fld id="{B61BEF0D-F0BB-DE4B-95CE-6DB70DBA9567}" type="datetimeFigureOut">
               <a:rPr lang="en-US" dirty="0"/>
               <a:pPr/>
-              <a:t>3/17/2022</a:t>
+              <a:t>3/25/2022</a:t>
             </a:fld>
             <a:endParaRPr lang="en-US" dirty="0"/>
           </a:p>
@@ -4165,7 +4165,7 @@
             <a:fld id="{B61BEF0D-F0BB-DE4B-95CE-6DB70DBA9567}" type="datetimeFigureOut">
               <a:rPr lang="en-US" dirty="0"/>
               <a:pPr/>
-              <a:t>3/17/2022</a:t>
+              <a:t>3/25/2022</a:t>
             </a:fld>
             <a:endParaRPr lang="en-US" dirty="0"/>
           </a:p>
@@ -4339,7 +4339,7 @@
             <a:fld id="{B61BEF0D-F0BB-DE4B-95CE-6DB70DBA9567}" type="datetimeFigureOut">
               <a:rPr lang="en-US" dirty="0"/>
               <a:pPr/>
-              <a:t>3/17/2022</a:t>
+              <a:t>3/25/2022</a:t>
             </a:fld>
             <a:endParaRPr lang="en-US" dirty="0"/>
           </a:p>
@@ -4669,7 +4669,7 @@
             <a:fld id="{B61BEF0D-F0BB-DE4B-95CE-6DB70DBA9567}" type="datetimeFigureOut">
               <a:rPr lang="en-US" dirty="0"/>
               <a:pPr/>
-              <a:t>3/17/2022</a:t>
+              <a:t>3/25/2022</a:t>
             </a:fld>
             <a:endParaRPr lang="en-US" dirty="0"/>
           </a:p>
@@ -5011,7 +5011,7 @@
             <a:fld id="{B61BEF0D-F0BB-DE4B-95CE-6DB70DBA9567}" type="datetimeFigureOut">
               <a:rPr lang="en-US" dirty="0"/>
               <a:pPr/>
-              <a:t>3/17/2022</a:t>
+              <a:t>3/25/2022</a:t>
             </a:fld>
             <a:endParaRPr lang="en-US" dirty="0"/>
           </a:p>
@@ -7125,7 +7125,7 @@
             <a:fld id="{B61BEF0D-F0BB-DE4B-95CE-6DB70DBA9567}" type="datetimeFigureOut">
               <a:rPr lang="en-US" dirty="0"/>
               <a:pPr/>
-              <a:t>3/17/2022</a:t>
+              <a:t>3/25/2022</a:t>
             </a:fld>
             <a:endParaRPr lang="en-US" dirty="0"/>
           </a:p>
@@ -7938,7 +7938,7 @@
                 <a:latin typeface="Times New Roman" panose="02020603050405020304" pitchFamily="18" charset="0"/>
                 <a:cs typeface="Times New Roman" panose="02020603050405020304" pitchFamily="18" charset="0"/>
               </a:rPr>
-              <a:t>Asst. Prof , Dept of ISE</a:t>
+              <a:t>Asst. Prof. Dept of ISE</a:t>
             </a:r>
             <a:endParaRPr lang="en-IN" sz="2000" dirty="0"/>
           </a:p>
@@ -8196,7 +8196,7 @@
           <a:graphicData uri="http://schemas.openxmlformats.org/presentationml/2006/ole">
             <mc:AlternateContent xmlns:mc="http://schemas.openxmlformats.org/markup-compatibility/2006">
               <mc:Choice xmlns:v="urn:schemas-microsoft-com:vml" Requires="v">
-                <p:oleObj spid="_x0000_s2093" name="Bitmap Image" r:id="rId3" imgW="6713280" imgH="4328280" progId="Paint.Picture">
+                <p:oleObj spid="_x0000_s2095" name="Bitmap Image" r:id="rId3" imgW="6713280" imgH="4328280" progId="Paint.Picture">
                   <p:embed/>
                 </p:oleObj>
               </mc:Choice>
@@ -17286,7 +17286,7 @@
           <a:graphicData uri="http://schemas.openxmlformats.org/presentationml/2006/ole">
             <mc:AlternateContent xmlns:mc="http://schemas.openxmlformats.org/markup-compatibility/2006">
               <mc:Choice xmlns:v="urn:schemas-microsoft-com:vml" Requires="v">
-                <p:oleObj spid="_x0000_s1075" name="Bitmap Image" r:id="rId3" imgW="6408360" imgH="3954960" progId="Paint.Picture">
+                <p:oleObj spid="_x0000_s1077" name="Bitmap Image" r:id="rId3" imgW="6408360" imgH="3954960" progId="Paint.Picture">
                   <p:embed/>
                 </p:oleObj>
               </mc:Choice>

--- a/presentation.pptx
+++ b/presentation.pptx
@@ -11276,7 +11276,7 @@
           <a:graphicData uri="http://schemas.openxmlformats.org/presentationml/2006/ole">
             <mc:AlternateContent xmlns:mc="http://schemas.openxmlformats.org/markup-compatibility/2006">
               <mc:Choice xmlns:v="urn:schemas-microsoft-com:vml" Requires="v">
-                <p:oleObj spid="_x0000_s1087" name="Bitmap Image" r:id="rId3" imgW="6408360" imgH="3954960" progId="Paint.Picture">
+                <p:oleObj spid="_x0000_s1090" name="Bitmap Image" r:id="rId3" imgW="6408360" imgH="3954960" progId="Paint.Picture">
                   <p:embed/>
                 </p:oleObj>
               </mc:Choice>
@@ -11392,7 +11392,7 @@
                 <a:latin typeface="Times New Roman" panose="02020603050405020304" pitchFamily="18" charset="0"/>
                 <a:cs typeface="Times New Roman" panose="02020603050405020304" pitchFamily="18" charset="0"/>
               </a:rPr>
-              <a:t>Fig 1 (b): Second Level DFD</a:t>
+              <a:t>Fig 1 (b): First Level DFD</a:t>
             </a:r>
             <a:endParaRPr lang="en-IN" b="1" dirty="0">
               <a:solidFill>
@@ -11432,7 +11432,7 @@
           <a:graphicData uri="http://schemas.openxmlformats.org/presentationml/2006/ole">
             <mc:AlternateContent xmlns:mc="http://schemas.openxmlformats.org/markup-compatibility/2006">
               <mc:Choice xmlns:v="urn:schemas-microsoft-com:vml" Requires="v">
-                <p:oleObj spid="_x0000_s2105" name="Bitmap Image" r:id="rId3" imgW="6713280" imgH="4328280" progId="Paint.Picture">
+                <p:oleObj spid="_x0000_s2108" name="Bitmap Image" r:id="rId3" imgW="6713280" imgH="4328280" progId="Paint.Picture">
                   <p:embed/>
                 </p:oleObj>
               </mc:Choice>
@@ -11972,7 +11972,7 @@
         <p:spPr>
           <a:xfrm>
             <a:off x="4542340" y="4213412"/>
-            <a:ext cx="3721937" cy="2528047"/>
+            <a:ext cx="3839660" cy="2528047"/>
           </a:xfrm>
           <a:prstGeom prst="rect">
             <a:avLst/>
@@ -12242,7 +12242,7 @@
                 </a:solidFill>
                 <a:latin typeface="Times New Roman" panose="02020603050405020304" pitchFamily="18" charset="0"/>
               </a:rPr>
-              <a:t>Backend: MySQL </a:t>
+              <a:t>Backend: MySQL, Python </a:t>
             </a:r>
           </a:p>
           <a:p>
@@ -12253,7 +12253,7 @@
                 </a:solidFill>
                 <a:latin typeface="Times New Roman" panose="02020603050405020304" pitchFamily="18" charset="0"/>
               </a:rPr>
-              <a:t>Django Framework</a:t>
+              <a:t>Framework: Django</a:t>
             </a:r>
           </a:p>
         </p:txBody>

--- a/presentation.pptx
+++ b/presentation.pptx
@@ -18,7 +18,8 @@
     <p:sldId id="271" r:id="rId12"/>
     <p:sldId id="272" r:id="rId13"/>
     <p:sldId id="268" r:id="rId14"/>
-    <p:sldId id="269" r:id="rId15"/>
+    <p:sldId id="289" r:id="rId15"/>
+    <p:sldId id="269" r:id="rId16"/>
   </p:sldIdLst>
   <p:sldSz cx="12192000" cy="6858000"/>
   <p:notesSz cx="6858000" cy="9144000"/>
@@ -314,7 +315,7 @@
             <a:fld id="{B61BEF0D-F0BB-DE4B-95CE-6DB70DBA9567}" type="datetimeFigureOut">
               <a:rPr lang="en-US" dirty="0"/>
               <a:pPr/>
-              <a:t>5/25/2022</a:t>
+              <a:t>5/26/2022</a:t>
             </a:fld>
             <a:endParaRPr lang="en-US" dirty="0"/>
           </a:p>
@@ -649,7 +650,7 @@
             <a:fld id="{B61BEF0D-F0BB-DE4B-95CE-6DB70DBA9567}" type="datetimeFigureOut">
               <a:rPr lang="en-US" dirty="0"/>
               <a:pPr/>
-              <a:t>5/25/2022</a:t>
+              <a:t>5/26/2022</a:t>
             </a:fld>
             <a:endParaRPr lang="en-US" dirty="0"/>
           </a:p>
@@ -1047,7 +1048,7 @@
             <a:fld id="{B61BEF0D-F0BB-DE4B-95CE-6DB70DBA9567}" type="datetimeFigureOut">
               <a:rPr lang="en-US" dirty="0"/>
               <a:pPr/>
-              <a:t>5/25/2022</a:t>
+              <a:t>5/26/2022</a:t>
             </a:fld>
             <a:endParaRPr lang="en-US" dirty="0"/>
           </a:p>
@@ -1380,7 +1381,7 @@
             <a:fld id="{B61BEF0D-F0BB-DE4B-95CE-6DB70DBA9567}" type="datetimeFigureOut">
               <a:rPr lang="en-US" dirty="0"/>
               <a:pPr/>
-              <a:t>5/25/2022</a:t>
+              <a:t>5/26/2022</a:t>
             </a:fld>
             <a:endParaRPr lang="en-US" dirty="0"/>
           </a:p>
@@ -1697,7 +1698,7 @@
             <a:fld id="{B61BEF0D-F0BB-DE4B-95CE-6DB70DBA9567}" type="datetimeFigureOut">
               <a:rPr lang="en-US" dirty="0"/>
               <a:pPr/>
-              <a:t>5/25/2022</a:t>
+              <a:t>5/26/2022</a:t>
             </a:fld>
             <a:endParaRPr lang="en-US" dirty="0"/>
           </a:p>
@@ -2090,7 +2091,7 @@
             <a:fld id="{B61BEF0D-F0BB-DE4B-95CE-6DB70DBA9567}" type="datetimeFigureOut">
               <a:rPr lang="en-US" dirty="0"/>
               <a:pPr/>
-              <a:t>5/25/2022</a:t>
+              <a:t>5/26/2022</a:t>
             </a:fld>
             <a:endParaRPr lang="en-US" dirty="0"/>
           </a:p>
@@ -2344,7 +2345,7 @@
             <a:fld id="{B61BEF0D-F0BB-DE4B-95CE-6DB70DBA9567}" type="datetimeFigureOut">
               <a:rPr lang="en-US" dirty="0"/>
               <a:pPr/>
-              <a:t>5/25/2022</a:t>
+              <a:t>5/26/2022</a:t>
             </a:fld>
             <a:endParaRPr lang="en-US" dirty="0"/>
           </a:p>
@@ -2603,7 +2604,7 @@
             <a:fld id="{B61BEF0D-F0BB-DE4B-95CE-6DB70DBA9567}" type="datetimeFigureOut">
               <a:rPr lang="en-US" dirty="0"/>
               <a:pPr/>
-              <a:t>5/25/2022</a:t>
+              <a:t>5/26/2022</a:t>
             </a:fld>
             <a:endParaRPr lang="en-US" dirty="0"/>
           </a:p>
@@ -2862,7 +2863,7 @@
             <a:fld id="{B61BEF0D-F0BB-DE4B-95CE-6DB70DBA9567}" type="datetimeFigureOut">
               <a:rPr lang="en-US" dirty="0"/>
               <a:pPr/>
-              <a:t>5/25/2022</a:t>
+              <a:t>5/26/2022</a:t>
             </a:fld>
             <a:endParaRPr lang="en-US" dirty="0"/>
           </a:p>
@@ -3188,7 +3189,7 @@
             <a:fld id="{B61BEF0D-F0BB-DE4B-95CE-6DB70DBA9567}" type="datetimeFigureOut">
               <a:rPr lang="en-US" dirty="0"/>
               <a:pPr/>
-              <a:t>5/25/2022</a:t>
+              <a:t>5/26/2022</a:t>
             </a:fld>
             <a:endParaRPr lang="en-US" dirty="0"/>
           </a:p>
@@ -3508,7 +3509,7 @@
             <a:fld id="{B61BEF0D-F0BB-DE4B-95CE-6DB70DBA9567}" type="datetimeFigureOut">
               <a:rPr lang="en-US" dirty="0"/>
               <a:pPr/>
-              <a:t>5/25/2022</a:t>
+              <a:t>5/26/2022</a:t>
             </a:fld>
             <a:endParaRPr lang="en-US" dirty="0"/>
           </a:p>
@@ -3962,7 +3963,7 @@
             <a:fld id="{B61BEF0D-F0BB-DE4B-95CE-6DB70DBA9567}" type="datetimeFigureOut">
               <a:rPr lang="en-US" dirty="0"/>
               <a:pPr/>
-              <a:t>5/25/2022</a:t>
+              <a:t>5/26/2022</a:t>
             </a:fld>
             <a:endParaRPr lang="en-US" dirty="0"/>
           </a:p>
@@ -4164,7 +4165,7 @@
             <a:fld id="{B61BEF0D-F0BB-DE4B-95CE-6DB70DBA9567}" type="datetimeFigureOut">
               <a:rPr lang="en-US" dirty="0"/>
               <a:pPr/>
-              <a:t>5/25/2022</a:t>
+              <a:t>5/26/2022</a:t>
             </a:fld>
             <a:endParaRPr lang="en-US" dirty="0"/>
           </a:p>
@@ -4338,7 +4339,7 @@
             <a:fld id="{B61BEF0D-F0BB-DE4B-95CE-6DB70DBA9567}" type="datetimeFigureOut">
               <a:rPr lang="en-US" dirty="0"/>
               <a:pPr/>
-              <a:t>5/25/2022</a:t>
+              <a:t>5/26/2022</a:t>
             </a:fld>
             <a:endParaRPr lang="en-US" dirty="0"/>
           </a:p>
@@ -4668,7 +4669,7 @@
             <a:fld id="{B61BEF0D-F0BB-DE4B-95CE-6DB70DBA9567}" type="datetimeFigureOut">
               <a:rPr lang="en-US" dirty="0"/>
               <a:pPr/>
-              <a:t>5/25/2022</a:t>
+              <a:t>5/26/2022</a:t>
             </a:fld>
             <a:endParaRPr lang="en-US" dirty="0"/>
           </a:p>
@@ -5010,7 +5011,7 @@
             <a:fld id="{B61BEF0D-F0BB-DE4B-95CE-6DB70DBA9567}" type="datetimeFigureOut">
               <a:rPr lang="en-US" dirty="0"/>
               <a:pPr/>
-              <a:t>5/25/2022</a:t>
+              <a:t>5/26/2022</a:t>
             </a:fld>
             <a:endParaRPr lang="en-US" dirty="0"/>
           </a:p>
@@ -7124,7 +7125,7 @@
             <a:fld id="{B61BEF0D-F0BB-DE4B-95CE-6DB70DBA9567}" type="datetimeFigureOut">
               <a:rPr lang="en-US" dirty="0"/>
               <a:pPr/>
-              <a:t>5/25/2022</a:t>
+              <a:t>5/26/2022</a:t>
             </a:fld>
             <a:endParaRPr lang="en-US" dirty="0"/>
           </a:p>
@@ -8305,8 +8306,8 @@
         </p:nvSpPr>
         <p:spPr>
           <a:xfrm>
-            <a:off x="1074176" y="1981199"/>
-            <a:ext cx="5855542" cy="4007223"/>
+            <a:off x="1495517" y="1918446"/>
+            <a:ext cx="5855542" cy="3361766"/>
           </a:xfrm>
         </p:spPr>
         <p:txBody>
@@ -8352,7 +8353,7 @@
                 </a:solidFill>
                 <a:latin typeface="Times New Roman" panose="02020603050405020304" pitchFamily="18" charset="0"/>
               </a:rPr>
-              <a:t>o work with databases using SQL.</a:t>
+              <a:t>o work with database using MySQL.</a:t>
             </a:r>
             <a:endParaRPr lang="en-US" sz="2400" dirty="0">
               <a:solidFill>
@@ -8378,7 +8379,25 @@
                 </a:solidFill>
                 <a:latin typeface="Times New Roman" panose="02020603050405020304" pitchFamily="18" charset="0"/>
               </a:rPr>
-              <a:t>o create views with </a:t>
+              <a:t>o create views </a:t>
+            </a:r>
+            <a:r>
+              <a:rPr lang="en-US" sz="2400" dirty="0">
+                <a:solidFill>
+                  <a:schemeClr val="tx1"/>
+                </a:solidFill>
+                <a:latin typeface="Times New Roman" panose="02020603050405020304" pitchFamily="18" charset="0"/>
+              </a:rPr>
+              <a:t>with</a:t>
+            </a:r>
+            <a:r>
+              <a:rPr lang="en-US" sz="2400" b="0" i="0" u="none" strike="noStrike" baseline="0" dirty="0">
+                <a:solidFill>
+                  <a:schemeClr val="tx1"/>
+                </a:solidFill>
+                <a:latin typeface="Times New Roman" panose="02020603050405020304" pitchFamily="18" charset="0"/>
+              </a:rPr>
+              <a:t> </a:t>
             </a:r>
             <a:r>
               <a:rPr lang="en-IN" sz="2400" b="0" i="0" u="none" strike="noStrike" baseline="0" dirty="0">
@@ -8454,24 +8473,6 @@
               </a:rPr>
               <a:t>.</a:t>
             </a:r>
-          </a:p>
-          <a:p>
-            <a:pPr algn="l"/>
-            <a:r>
-              <a:rPr lang="en-IN" sz="2400" dirty="0">
-                <a:solidFill>
-                  <a:schemeClr val="tx1"/>
-                </a:solidFill>
-                <a:latin typeface="Times New Roman" panose="02020603050405020304" pitchFamily="18" charset="0"/>
-              </a:rPr>
-              <a:t>To use GitHub.</a:t>
-            </a:r>
-            <a:endParaRPr lang="en-IN" sz="2400" b="0" i="0" u="none" strike="noStrike" baseline="0" dirty="0">
-              <a:solidFill>
-                <a:schemeClr val="tx1"/>
-              </a:solidFill>
-              <a:latin typeface="Times New Roman" panose="02020603050405020304" pitchFamily="18" charset="0"/>
-            </a:endParaRPr>
           </a:p>
         </p:txBody>
       </p:sp>
@@ -8491,7 +8492,7 @@
         </p:nvSpPr>
         <p:spPr>
           <a:xfrm>
-            <a:off x="7232926" y="1909482"/>
+            <a:off x="7690126" y="1918446"/>
             <a:ext cx="3955023" cy="3505199"/>
           </a:xfrm>
           <a:prstGeom prst="rect">
@@ -8796,17 +8797,6 @@
                 <a:latin typeface="Times New Roman" panose="02020603050405020304" pitchFamily="18" charset="0"/>
               </a:rPr>
               <a:t>Planning</a:t>
-            </a:r>
-          </a:p>
-          <a:p>
-            <a:r>
-              <a:rPr lang="nl-NL" sz="2400" dirty="0">
-                <a:solidFill>
-                  <a:srgbClr val="000000"/>
-                </a:solidFill>
-                <a:latin typeface="Times New Roman" panose="02020603050405020304" pitchFamily="18" charset="0"/>
-              </a:rPr>
-              <a:t>Research/Critical Thinking</a:t>
             </a:r>
           </a:p>
         </p:txBody>
@@ -9268,31 +9258,23 @@
               <a:t>Fig 2 (b): </a:t>
             </a:r>
             <a:r>
+              <a:rPr lang="en-US" b="1" dirty="0">
+                <a:solidFill>
+                  <a:srgbClr val="000000"/>
+                </a:solidFill>
+                <a:latin typeface="Times New Roman" panose="02020603050405020304" pitchFamily="18" charset="0"/>
+                <a:cs typeface="Times New Roman" panose="02020603050405020304" pitchFamily="18" charset="0"/>
+              </a:rPr>
+              <a:t>Projects</a:t>
+            </a:r>
+            <a:r>
               <a:rPr lang="en-US" sz="1800" b="1" i="0" u="none" strike="noStrike" baseline="0" dirty="0">
                 <a:solidFill>
                   <a:srgbClr val="000000"/>
                 </a:solidFill>
                 <a:latin typeface="Times New Roman" panose="02020603050405020304" pitchFamily="18" charset="0"/>
               </a:rPr>
-              <a:t>Review Page of </a:t>
-            </a:r>
-            <a:r>
-              <a:rPr lang="en-US" sz="1800" b="1" i="0" u="none" strike="noStrike" baseline="0" dirty="0" err="1">
-                <a:solidFill>
-                  <a:srgbClr val="000000"/>
-                </a:solidFill>
-                <a:latin typeface="Times New Roman" panose="02020603050405020304" pitchFamily="18" charset="0"/>
-              </a:rPr>
-              <a:t>Panaka</a:t>
-            </a:r>
-            <a:r>
-              <a:rPr lang="en-US" sz="1800" b="1" i="0" u="none" strike="noStrike" baseline="0" dirty="0">
-                <a:solidFill>
-                  <a:srgbClr val="000000"/>
-                </a:solidFill>
-                <a:latin typeface="Times New Roman" panose="02020603050405020304" pitchFamily="18" charset="0"/>
-              </a:rPr>
-              <a:t> Product</a:t>
+              <a:t> Page</a:t>
             </a:r>
             <a:endParaRPr lang="en-US" sz="1800" b="0" i="0" u="none" strike="noStrike" baseline="0" dirty="0">
               <a:solidFill>
@@ -9966,6 +9948,275 @@
           <p:cNvPr id="2" name="Title 1">
             <a:extLst>
               <a:ext uri="{FF2B5EF4-FFF2-40B4-BE49-F238E27FC236}">
+                <a16:creationId xmlns:a16="http://schemas.microsoft.com/office/drawing/2014/main" id="{1B29E541-9C02-49EB-AEE8-B36E9F343C0D}"/>
+              </a:ext>
+            </a:extLst>
+          </p:cNvPr>
+          <p:cNvSpPr>
+            <a:spLocks noGrp="1"/>
+          </p:cNvSpPr>
+          <p:nvPr>
+            <p:ph type="title"/>
+          </p:nvPr>
+        </p:nvSpPr>
+        <p:spPr>
+          <a:xfrm>
+            <a:off x="2592925" y="624110"/>
+            <a:ext cx="8911687" cy="738525"/>
+          </a:xfrm>
+        </p:spPr>
+        <p:txBody>
+          <a:bodyPr/>
+          <a:lstStyle/>
+          <a:p>
+            <a:pPr algn="ctr"/>
+            <a:r>
+              <a:rPr lang="en-US" b="1" dirty="0">
+                <a:solidFill>
+                  <a:schemeClr val="accent2">
+                    <a:lumMod val="50000"/>
+                  </a:schemeClr>
+                </a:solidFill>
+                <a:latin typeface="Times New Roman" panose="02020603050405020304" pitchFamily="18" charset="0"/>
+                <a:cs typeface="Times New Roman" panose="02020603050405020304" pitchFamily="18" charset="0"/>
+              </a:rPr>
+              <a:t>REFERENCES</a:t>
+            </a:r>
+            <a:endParaRPr lang="en-IN" b="1" dirty="0">
+              <a:solidFill>
+                <a:schemeClr val="accent2">
+                  <a:lumMod val="50000"/>
+                </a:schemeClr>
+              </a:solidFill>
+              <a:latin typeface="Times New Roman" panose="02020603050405020304" pitchFamily="18" charset="0"/>
+              <a:cs typeface="Times New Roman" panose="02020603050405020304" pitchFamily="18" charset="0"/>
+            </a:endParaRPr>
+          </a:p>
+        </p:txBody>
+      </p:sp>
+      <p:sp>
+        <p:nvSpPr>
+          <p:cNvPr id="3" name="Content Placeholder 2">
+            <a:extLst>
+              <a:ext uri="{FF2B5EF4-FFF2-40B4-BE49-F238E27FC236}">
+                <a16:creationId xmlns:a16="http://schemas.microsoft.com/office/drawing/2014/main" id="{F959B099-89A7-42CE-B56E-5070171594C0}"/>
+              </a:ext>
+            </a:extLst>
+          </p:cNvPr>
+          <p:cNvSpPr>
+            <a:spLocks noGrp="1"/>
+          </p:cNvSpPr>
+          <p:nvPr>
+            <p:ph idx="1"/>
+          </p:nvPr>
+        </p:nvSpPr>
+        <p:spPr>
+          <a:xfrm>
+            <a:off x="2467419" y="2029444"/>
+            <a:ext cx="8518059" cy="3887262"/>
+          </a:xfrm>
+        </p:spPr>
+        <p:txBody>
+          <a:bodyPr>
+            <a:noAutofit/>
+          </a:bodyPr>
+          <a:lstStyle/>
+          <a:p>
+            <a:pPr marL="0" indent="0" algn="just">
+              <a:buNone/>
+            </a:pPr>
+            <a:endParaRPr lang="en-IN" sz="2400" b="0" i="0" u="none" strike="noStrike" baseline="0" dirty="0">
+              <a:solidFill>
+                <a:schemeClr val="tx1"/>
+              </a:solidFill>
+              <a:latin typeface="Times New Roman" panose="02020603050405020304" pitchFamily="18" charset="0"/>
+            </a:endParaRPr>
+          </a:p>
+          <a:p>
+            <a:pPr algn="just"/>
+            <a:r>
+              <a:rPr lang="en-IN" sz="2400" b="0" i="0" u="none" strike="noStrike" baseline="0" dirty="0">
+                <a:solidFill>
+                  <a:schemeClr val="tx1"/>
+                </a:solidFill>
+                <a:latin typeface="Times New Roman" panose="02020603050405020304" pitchFamily="18" charset="0"/>
+                <a:hlinkClick r:id="rId2">
+                  <a:extLst>
+                    <a:ext uri="{A12FA001-AC4F-418D-AE19-62706E023703}">
+                      <ahyp:hlinkClr xmlns:ahyp="http://schemas.microsoft.com/office/drawing/2018/hyperlinkcolor" val="tx"/>
+                    </a:ext>
+                  </a:extLst>
+                </a:hlinkClick>
+              </a:rPr>
+              <a:t>https://w3schools.com</a:t>
+            </a:r>
+            <a:r>
+              <a:rPr lang="en-IN" sz="2400" b="0" i="0" u="none" strike="noStrike" baseline="0" dirty="0">
+                <a:solidFill>
+                  <a:schemeClr val="tx1"/>
+                </a:solidFill>
+                <a:latin typeface="Times New Roman" panose="02020603050405020304" pitchFamily="18" charset="0"/>
+              </a:rPr>
+              <a:t> </a:t>
+            </a:r>
+          </a:p>
+          <a:p>
+            <a:r>
+              <a:rPr lang="en-IN" sz="2400" b="0" i="0" u="none" strike="noStrike" baseline="0" dirty="0">
+                <a:solidFill>
+                  <a:schemeClr val="tx1"/>
+                </a:solidFill>
+                <a:latin typeface="Times New Roman" panose="02020603050405020304" pitchFamily="18" charset="0"/>
+                <a:hlinkClick r:id="rId3">
+                  <a:extLst>
+                    <a:ext uri="{A12FA001-AC4F-418D-AE19-62706E023703}">
+                      <ahyp:hlinkClr xmlns:ahyp="http://schemas.microsoft.com/office/drawing/2018/hyperlinkcolor" val="tx"/>
+                    </a:ext>
+                  </a:extLst>
+                </a:hlinkClick>
+              </a:rPr>
+              <a:t>https://geeksforgeeks.org</a:t>
+            </a:r>
+            <a:r>
+              <a:rPr lang="en-IN" sz="2400" b="0" i="0" u="none" strike="noStrike" baseline="0" dirty="0">
+                <a:solidFill>
+                  <a:schemeClr val="tx1"/>
+                </a:solidFill>
+                <a:latin typeface="Times New Roman" panose="02020603050405020304" pitchFamily="18" charset="0"/>
+              </a:rPr>
+              <a:t> </a:t>
+            </a:r>
+          </a:p>
+          <a:p>
+            <a:r>
+              <a:rPr lang="en-IN" sz="2400" b="0" i="0" u="none" strike="noStrike" baseline="0" dirty="0">
+                <a:solidFill>
+                  <a:schemeClr val="tx1"/>
+                </a:solidFill>
+                <a:latin typeface="Times New Roman" panose="02020603050405020304" pitchFamily="18" charset="0"/>
+                <a:hlinkClick r:id="rId4">
+                  <a:extLst>
+                    <a:ext uri="{A12FA001-AC4F-418D-AE19-62706E023703}">
+                      <ahyp:hlinkClr xmlns:ahyp="http://schemas.microsoft.com/office/drawing/2018/hyperlinkcolor" val="tx"/>
+                    </a:ext>
+                  </a:extLst>
+                </a:hlinkClick>
+              </a:rPr>
+              <a:t>https://codecademy.com</a:t>
+            </a:r>
+            <a:r>
+              <a:rPr lang="en-IN" sz="2400" b="0" i="0" u="none" strike="noStrike" baseline="0" dirty="0">
+                <a:solidFill>
+                  <a:schemeClr val="tx1"/>
+                </a:solidFill>
+                <a:latin typeface="Times New Roman" panose="02020603050405020304" pitchFamily="18" charset="0"/>
+              </a:rPr>
+              <a:t> </a:t>
+            </a:r>
+          </a:p>
+          <a:p>
+            <a:r>
+              <a:rPr lang="en-IN" sz="2400" b="0" i="0" u="none" strike="noStrike" baseline="0" dirty="0">
+                <a:solidFill>
+                  <a:schemeClr val="tx1"/>
+                </a:solidFill>
+                <a:latin typeface="Times New Roman" panose="02020603050405020304" pitchFamily="18" charset="0"/>
+                <a:hlinkClick r:id="rId5">
+                  <a:extLst>
+                    <a:ext uri="{A12FA001-AC4F-418D-AE19-62706E023703}">
+                      <ahyp:hlinkClr xmlns:ahyp="http://schemas.microsoft.com/office/drawing/2018/hyperlinkcolor" val="tx"/>
+                    </a:ext>
+                  </a:extLst>
+                </a:hlinkClick>
+              </a:rPr>
+              <a:t>https://freefrontend.com/</a:t>
+            </a:r>
+            <a:r>
+              <a:rPr lang="en-IN" sz="2400" b="0" i="0" u="none" strike="noStrike" baseline="0" dirty="0">
+                <a:solidFill>
+                  <a:schemeClr val="tx1"/>
+                </a:solidFill>
+                <a:latin typeface="Times New Roman" panose="02020603050405020304" pitchFamily="18" charset="0"/>
+              </a:rPr>
+              <a:t> </a:t>
+            </a:r>
+          </a:p>
+          <a:p>
+            <a:r>
+              <a:rPr lang="en-IN" sz="2400" b="0" i="0" u="none" strike="noStrike" baseline="0" dirty="0">
+                <a:solidFill>
+                  <a:schemeClr val="tx1"/>
+                </a:solidFill>
+                <a:latin typeface="Times New Roman" panose="02020603050405020304" pitchFamily="18" charset="0"/>
+                <a:hlinkClick r:id="rId6">
+                  <a:extLst>
+                    <a:ext uri="{A12FA001-AC4F-418D-AE19-62706E023703}">
+                      <ahyp:hlinkClr xmlns:ahyp="http://schemas.microsoft.com/office/drawing/2018/hyperlinkcolor" val="tx"/>
+                    </a:ext>
+                  </a:extLst>
+                </a:hlinkClick>
+              </a:rPr>
+              <a:t>https://www.tutorialspoint.com/index.htm</a:t>
+            </a:r>
+            <a:r>
+              <a:rPr lang="en-IN" sz="2400" b="0" i="0" u="none" strike="noStrike" baseline="0" dirty="0">
+                <a:solidFill>
+                  <a:schemeClr val="tx1"/>
+                </a:solidFill>
+                <a:latin typeface="Times New Roman" panose="02020603050405020304" pitchFamily="18" charset="0"/>
+              </a:rPr>
+              <a:t>  </a:t>
+            </a:r>
+          </a:p>
+        </p:txBody>
+      </p:sp>
+    </p:spTree>
+    <p:extLst>
+      <p:ext uri="{BB962C8B-B14F-4D97-AF65-F5344CB8AC3E}">
+        <p14:creationId xmlns:p14="http://schemas.microsoft.com/office/powerpoint/2010/main" val="2479569766"/>
+      </p:ext>
+    </p:extLst>
+  </p:cSld>
+  <p:clrMapOvr>
+    <a:masterClrMapping/>
+  </p:clrMapOvr>
+  <mc:AlternateContent xmlns:mc="http://schemas.openxmlformats.org/markup-compatibility/2006" xmlns:p159="http://schemas.microsoft.com/office/powerpoint/2015/09/main">
+    <mc:Choice Requires="p159">
+      <p:transition xmlns:p14="http://schemas.microsoft.com/office/powerpoint/2010/main" spd="slow" p14:dur="2000">
+        <p159:morph option="byObject"/>
+      </p:transition>
+    </mc:Choice>
+    <mc:Fallback xmlns="">
+      <p:transition spd="slow">
+        <p:fade/>
+      </p:transition>
+    </mc:Fallback>
+  </mc:AlternateContent>
+</p:sld>
+</file>
+
+<file path=ppt/slides/slide15.xml><?xml version="1.0" encoding="utf-8"?>
+<p:sld xmlns:a="http://schemas.openxmlformats.org/drawingml/2006/main" xmlns:r="http://schemas.openxmlformats.org/officeDocument/2006/relationships" xmlns:p="http://schemas.openxmlformats.org/presentationml/2006/main">
+  <p:cSld>
+    <p:spTree>
+      <p:nvGrpSpPr>
+        <p:cNvPr id="1" name=""/>
+        <p:cNvGrpSpPr/>
+        <p:nvPr/>
+      </p:nvGrpSpPr>
+      <p:grpSpPr>
+        <a:xfrm>
+          <a:off x="0" y="0"/>
+          <a:ext cx="0" cy="0"/>
+          <a:chOff x="0" y="0"/>
+          <a:chExt cx="0" cy="0"/>
+        </a:xfrm>
+      </p:grpSpPr>
+      <p:sp>
+        <p:nvSpPr>
+          <p:cNvPr id="2" name="Title 1">
+            <a:extLst>
+              <a:ext uri="{FF2B5EF4-FFF2-40B4-BE49-F238E27FC236}">
                 <a16:creationId xmlns:a16="http://schemas.microsoft.com/office/drawing/2014/main" id="{584DC975-0548-4546-9EF3-78584C84B757}"/>
               </a:ext>
             </a:extLst>
@@ -10104,8 +10355,8 @@
         </p:nvSpPr>
         <p:spPr>
           <a:xfrm>
-            <a:off x="2754289" y="1626031"/>
-            <a:ext cx="8442628" cy="4712016"/>
+            <a:off x="2926067" y="1608102"/>
+            <a:ext cx="6775193" cy="4712016"/>
           </a:xfrm>
         </p:spPr>
         <p:txBody>
@@ -10360,7 +10611,7 @@
         <p:spPr>
           <a:xfrm>
             <a:off x="1640156" y="3429000"/>
-            <a:ext cx="8915400" cy="2742703"/>
+            <a:ext cx="8915400" cy="2900082"/>
           </a:xfrm>
         </p:spPr>
         <p:txBody>
@@ -10639,7 +10890,7 @@
                 </a:solidFill>
                 <a:latin typeface="Times New Roman" panose="02020603050405020304" pitchFamily="18" charset="0"/>
               </a:rPr>
-              <a:t>The services are development, mobile application, design, and consultancy.</a:t>
+              <a:t>The services are development, mobile application, design and consultancy.</a:t>
             </a:r>
             <a:endParaRPr lang="en-IN" sz="2400" b="1" i="0" u="none" strike="noStrike" baseline="0" dirty="0">
               <a:solidFill>
@@ -10770,7 +11021,7 @@
                 </a:solidFill>
                 <a:latin typeface="Times New Roman" panose="02020603050405020304" pitchFamily="18" charset="0"/>
               </a:rPr>
-              <a:t>The internship is based on Web Development and its Applications. </a:t>
+              <a:t>The internship is based on Web Development. </a:t>
             </a:r>
           </a:p>
           <a:p>
@@ -10800,7 +11051,7 @@
                 </a:solidFill>
                 <a:latin typeface="Times New Roman" panose="02020603050405020304" pitchFamily="18" charset="0"/>
               </a:rPr>
-              <a:t>side scripting, among other tasks.</a:t>
+              <a:t>side scripting.</a:t>
             </a:r>
           </a:p>
           <a:p>
@@ -10857,43 +11108,7 @@
                 </a:solidFill>
                 <a:latin typeface="Times New Roman" panose="02020603050405020304" pitchFamily="18" charset="0"/>
               </a:rPr>
-              <a:t>VDP Solutions is a digital service provider that </a:t>
-            </a:r>
-            <a:r>
-              <a:rPr lang="en-US" sz="2400" dirty="0">
-                <a:solidFill>
-                  <a:schemeClr val="tx1"/>
-                </a:solidFill>
-                <a:latin typeface="Times New Roman" panose="02020603050405020304" pitchFamily="18" charset="0"/>
-              </a:rPr>
-              <a:t>F</a:t>
-            </a:r>
-            <a:r>
-              <a:rPr lang="en-US" sz="2400" b="0" i="0" u="none" strike="noStrike" baseline="0" dirty="0">
-                <a:solidFill>
-                  <a:schemeClr val="tx1"/>
-                </a:solidFill>
-                <a:latin typeface="Times New Roman" panose="02020603050405020304" pitchFamily="18" charset="0"/>
-              </a:rPr>
-              <a:t>ounded and Funded by Graphic designers from </a:t>
-            </a:r>
-            <a:r>
-              <a:rPr lang="en-US" sz="2400" b="0" i="0" u="none" strike="noStrike" baseline="0" dirty="0" err="1">
-                <a:solidFill>
-                  <a:schemeClr val="tx1"/>
-                </a:solidFill>
-                <a:latin typeface="Times New Roman" panose="02020603050405020304" pitchFamily="18" charset="0"/>
-              </a:rPr>
-              <a:t>Jahirathu</a:t>
-            </a:r>
-            <a:r>
-              <a:rPr lang="en-US" sz="2400" b="0" i="0" u="none" strike="noStrike" baseline="0" dirty="0">
-                <a:solidFill>
-                  <a:schemeClr val="tx1"/>
-                </a:solidFill>
-                <a:latin typeface="Times New Roman" panose="02020603050405020304" pitchFamily="18" charset="0"/>
-              </a:rPr>
-              <a:t> Junction. </a:t>
+              <a:t>VDP Solutions is a digital service provider that founded and funded by graphic designers from Jahirathu Junction. </a:t>
             </a:r>
           </a:p>
           <a:p>
@@ -11012,8 +11227,8 @@
         </p:nvSpPr>
         <p:spPr>
           <a:xfrm>
-            <a:off x="1890755" y="2097741"/>
-            <a:ext cx="8535197" cy="3227295"/>
+            <a:off x="2536214" y="2483223"/>
+            <a:ext cx="8239363" cy="3227295"/>
           </a:xfrm>
         </p:spPr>
         <p:txBody>
@@ -11042,17 +11257,8 @@
                 </a:solidFill>
                 <a:latin typeface="Times New Roman" panose="02020603050405020304" pitchFamily="18" charset="0"/>
               </a:rPr>
-              <a:t>The objective of the website is to store the ratings and reviews of the products and also feedback given by the user in the backend.</a:t>
-            </a:r>
-            <a:endParaRPr lang="en-US" sz="2400" b="0" i="0" u="none" strike="noStrike" baseline="0" dirty="0">
-              <a:solidFill>
-                <a:srgbClr val="000000"/>
-              </a:solidFill>
-              <a:latin typeface="Times New Roman" panose="02020603050405020304" pitchFamily="18" charset="0"/>
-            </a:endParaRPr>
-          </a:p>
-          <a:p>
-            <a:pPr algn="just"/>
+              <a:t>The objective of the website is to store the ratings and reviews of the products and also feedback given by the user in the backend</a:t>
+            </a:r>
             <a:r>
               <a:rPr lang="en-US" sz="2400" b="0" i="0" u="none" strike="noStrike" baseline="0" dirty="0">
                 <a:solidFill>
@@ -11060,7 +11266,7 @@
                 </a:solidFill>
                 <a:latin typeface="Times New Roman" panose="02020603050405020304" pitchFamily="18" charset="0"/>
               </a:rPr>
-              <a:t>The basic webpage of this project is created using HTML, styling using CSS and backend is done by using SQL. </a:t>
+              <a:t>. </a:t>
             </a:r>
             <a:endParaRPr lang="en-IN" sz="2400" dirty="0"/>
           </a:p>
@@ -11145,45 +11351,7 @@
                 <a:latin typeface="Times New Roman" panose="02020603050405020304" pitchFamily="18" charset="0"/>
                 <a:cs typeface="Times New Roman" panose="02020603050405020304" pitchFamily="18" charset="0"/>
               </a:rPr>
-              <a:t>MODULES &amp; DATA</a:t>
-            </a:r>
-            <a:r>
-              <a:rPr lang="en-US" b="1" dirty="0">
-                <a:latin typeface="Times New Roman" panose="02020603050405020304" pitchFamily="18" charset="0"/>
-                <a:cs typeface="Times New Roman" panose="02020603050405020304" pitchFamily="18" charset="0"/>
-              </a:rPr>
-              <a:t> </a:t>
-            </a:r>
-            <a:r>
-              <a:rPr lang="en-US" b="1" dirty="0">
-                <a:solidFill>
-                  <a:schemeClr val="accent2">
-                    <a:lumMod val="50000"/>
-                  </a:schemeClr>
-                </a:solidFill>
-                <a:latin typeface="Times New Roman" panose="02020603050405020304" pitchFamily="18" charset="0"/>
-                <a:cs typeface="Times New Roman" panose="02020603050405020304" pitchFamily="18" charset="0"/>
-              </a:rPr>
-              <a:t>FLOW</a:t>
-            </a:r>
-            <a:r>
-              <a:rPr lang="en-US" b="1" dirty="0">
-                <a:latin typeface="Times New Roman" panose="02020603050405020304" pitchFamily="18" charset="0"/>
-                <a:cs typeface="Times New Roman" panose="02020603050405020304" pitchFamily="18" charset="0"/>
-              </a:rPr>
-              <a:t> </a:t>
-            </a:r>
-            <a:r>
-              <a:rPr lang="en-US" b="1" dirty="0">
-                <a:solidFill>
-                  <a:schemeClr val="accent2">
-                    <a:lumMod val="50000"/>
-                  </a:schemeClr>
-                </a:solidFill>
-                <a:latin typeface="Times New Roman" panose="02020603050405020304" pitchFamily="18" charset="0"/>
-                <a:cs typeface="Times New Roman" panose="02020603050405020304" pitchFamily="18" charset="0"/>
-              </a:rPr>
-              <a:t>DIAGRAM</a:t>
+              <a:t>MODULES</a:t>
             </a:r>
             <a:endParaRPr lang="en-IN" b="1" dirty="0">
               <a:solidFill>
@@ -11225,7 +11393,7 @@
           </a:bodyPr>
           <a:lstStyle/>
           <a:p>
-            <a:pPr marL="0" indent="0">
+            <a:pPr marL="0" indent="0" algn="ctr">
               <a:buNone/>
             </a:pPr>
             <a:r>
@@ -11236,7 +11404,7 @@
                 <a:latin typeface="Times New Roman" panose="02020603050405020304" pitchFamily="18" charset="0"/>
                 <a:cs typeface="Times New Roman" panose="02020603050405020304" pitchFamily="18" charset="0"/>
               </a:rPr>
-              <a:t>Fig 1 (a): Zero Level DFD</a:t>
+              <a:t>Figure 1: Modules</a:t>
             </a:r>
             <a:endParaRPr lang="en-IN" b="1" dirty="0">
               <a:solidFill>
@@ -11276,7 +11444,7 @@
           <a:graphicData uri="http://schemas.openxmlformats.org/presentationml/2006/ole">
             <mc:AlternateContent xmlns:mc="http://schemas.openxmlformats.org/markup-compatibility/2006">
               <mc:Choice xmlns:v="urn:schemas-microsoft-com:vml" Requires="v">
-                <p:oleObj spid="_x0000_s1090" name="Bitmap Image" r:id="rId3" imgW="6408360" imgH="3954960" progId="Paint.Picture">
+                <p:oleObj spid="_x0000_s1111" name="Bitmap Image" r:id="rId3" imgW="6408360" imgH="3954960" progId="Paint.Picture">
                   <p:embed/>
                 </p:oleObj>
               </mc:Choice>
@@ -11371,7 +11539,7 @@
         </p:nvSpPr>
         <p:spPr>
           <a:xfrm>
-            <a:off x="5388302" y="5961530"/>
+            <a:off x="5388302" y="6096001"/>
             <a:ext cx="2961528" cy="412376"/>
           </a:xfrm>
         </p:spPr>
@@ -11381,7 +11549,7 @@
           </a:bodyPr>
           <a:lstStyle/>
           <a:p>
-            <a:pPr marL="0" indent="0">
+            <a:pPr marL="0" indent="0" algn="ctr">
               <a:buNone/>
             </a:pPr>
             <a:r>
@@ -11392,7 +11560,7 @@
                 <a:latin typeface="Times New Roman" panose="02020603050405020304" pitchFamily="18" charset="0"/>
                 <a:cs typeface="Times New Roman" panose="02020603050405020304" pitchFamily="18" charset="0"/>
               </a:rPr>
-              <a:t>Fig 1 (b): First Level DFD</a:t>
+              <a:t>Figure 2: Dataflow Diagram</a:t>
             </a:r>
             <a:endParaRPr lang="en-IN" b="1" dirty="0">
               <a:solidFill>
@@ -11419,20 +11587,20 @@
           <p:nvPr>
             <p:extLst>
               <p:ext uri="{D42A27DB-BD31-4B8C-83A1-F6EECF244321}">
-                <p14:modId xmlns:p14="http://schemas.microsoft.com/office/powerpoint/2010/main" val="2328657687"/>
+                <p14:modId xmlns:p14="http://schemas.microsoft.com/office/powerpoint/2010/main" val="2837206550"/>
               </p:ext>
             </p:extLst>
           </p:nvPr>
         </p:nvGraphicFramePr>
         <p:xfrm>
-          <a:off x="3365967" y="1205566"/>
+          <a:off x="3365967" y="1579586"/>
           <a:ext cx="7006198" cy="4446868"/>
         </p:xfrm>
         <a:graphic>
           <a:graphicData uri="http://schemas.openxmlformats.org/presentationml/2006/ole">
             <mc:AlternateContent xmlns:mc="http://schemas.openxmlformats.org/markup-compatibility/2006">
               <mc:Choice xmlns:v="urn:schemas-microsoft-com:vml" Requires="v">
-                <p:oleObj spid="_x0000_s2108" name="Bitmap Image" r:id="rId3" imgW="6713280" imgH="4328280" progId="Paint.Picture">
+                <p:oleObj spid="_x0000_s2129" name="Bitmap Image" r:id="rId3" imgW="6713280" imgH="4328280" progId="Paint.Picture">
                   <p:embed/>
                 </p:oleObj>
               </mc:Choice>
@@ -11453,7 +11621,7 @@
                     </p:blipFill>
                     <p:spPr>
                       <a:xfrm>
-                        <a:off x="3365967" y="1205566"/>
+                        <a:off x="3365967" y="1579586"/>
                         <a:ext cx="7006198" cy="4446868"/>
                       </a:xfrm>
                       <a:prstGeom prst="rect">
@@ -11467,6 +11635,57 @@
           </a:graphicData>
         </a:graphic>
       </p:graphicFrame>
+      <p:sp>
+        <p:nvSpPr>
+          <p:cNvPr id="5" name="Title 1">
+            <a:extLst>
+              <a:ext uri="{FF2B5EF4-FFF2-40B4-BE49-F238E27FC236}">
+                <a16:creationId xmlns:a16="http://schemas.microsoft.com/office/drawing/2014/main" id="{396DFDB5-EF9E-D9FD-0B40-177BB6E91A81}"/>
+              </a:ext>
+            </a:extLst>
+          </p:cNvPr>
+          <p:cNvSpPr>
+            <a:spLocks noGrp="1"/>
+          </p:cNvSpPr>
+          <p:nvPr>
+            <p:ph type="title"/>
+          </p:nvPr>
+        </p:nvSpPr>
+        <p:spPr>
+          <a:xfrm>
+            <a:off x="2413222" y="619114"/>
+            <a:ext cx="8911687" cy="890925"/>
+          </a:xfrm>
+        </p:spPr>
+        <p:txBody>
+          <a:bodyPr/>
+          <a:lstStyle/>
+          <a:p>
+            <a:pPr algn="ctr"/>
+            <a:r>
+              <a:rPr lang="en-US" b="1" dirty="0">
+                <a:solidFill>
+                  <a:schemeClr val="accent2">
+                    <a:lumMod val="50000"/>
+                  </a:schemeClr>
+                </a:solidFill>
+                <a:latin typeface="Times New Roman" panose="02020603050405020304" pitchFamily="18" charset="0"/>
+                <a:cs typeface="Times New Roman" panose="02020603050405020304" pitchFamily="18" charset="0"/>
+              </a:rPr>
+              <a:t>DATAFLOW DIAGRAM</a:t>
+            </a:r>
+            <a:endParaRPr lang="en-IN" b="1" dirty="0">
+              <a:solidFill>
+                <a:schemeClr val="accent2">
+                  <a:lumMod val="50000"/>
+                </a:schemeClr>
+              </a:solidFill>
+              <a:latin typeface="Times New Roman" panose="02020603050405020304" pitchFamily="18" charset="0"/>
+              <a:cs typeface="Times New Roman" panose="02020603050405020304" pitchFamily="18" charset="0"/>
+            </a:endParaRPr>
+          </a:p>
+        </p:txBody>
+      </p:sp>
     </p:spTree>
     <p:extLst>
       <p:ext uri="{BB962C8B-B14F-4D97-AF65-F5344CB8AC3E}">
@@ -11669,7 +11888,7 @@
         <p:spPr>
           <a:xfrm>
             <a:off x="7430152" y="1882589"/>
-            <a:ext cx="3363353" cy="2545976"/>
+            <a:ext cx="3811589" cy="2545976"/>
           </a:xfrm>
           <a:prstGeom prst="rect">
             <a:avLst/>
@@ -11928,7 +12147,7 @@
                 </a:solidFill>
                 <a:latin typeface="Times New Roman" panose="02020603050405020304" pitchFamily="18" charset="0"/>
               </a:rPr>
-              <a:t>Processor: AMD Ryzen 5 3500U </a:t>
+              <a:t>Processor: AMD Ryzen 5  </a:t>
             </a:r>
           </a:p>
           <a:p>
@@ -11971,8 +12190,8 @@
         </p:nvSpPr>
         <p:spPr>
           <a:xfrm>
-            <a:off x="4542340" y="4213412"/>
-            <a:ext cx="3839660" cy="2528047"/>
+            <a:off x="4936197" y="4204448"/>
+            <a:ext cx="4243072" cy="2268070"/>
           </a:xfrm>
           <a:prstGeom prst="rect">
             <a:avLst/>
@@ -12231,7 +12450,7 @@
                 </a:solidFill>
                 <a:latin typeface="Times New Roman" panose="02020603050405020304" pitchFamily="18" charset="0"/>
               </a:rPr>
-              <a:t>Frontend: HTML, CSS, JavaScript </a:t>
+              <a:t>Frontend: HTML and CSS </a:t>
             </a:r>
           </a:p>
           <a:p>
@@ -12242,7 +12461,7 @@
                 </a:solidFill>
                 <a:latin typeface="Times New Roman" panose="02020603050405020304" pitchFamily="18" charset="0"/>
               </a:rPr>
-              <a:t>Backend: MySQL, Python </a:t>
+              <a:t>Backend: MySQL </a:t>
             </a:r>
           </a:p>
           <a:p>

--- a/presentation.pptx
+++ b/presentation.pptx
@@ -318,7 +318,7 @@
             <a:fld id="{B61BEF0D-F0BB-DE4B-95CE-6DB70DBA9567}" type="datetimeFigureOut">
               <a:rPr lang="en-US" dirty="0"/>
               <a:pPr/>
-              <a:t>5/29/2022</a:t>
+              <a:t>5/31/2022</a:t>
             </a:fld>
             <a:endParaRPr lang="en-US" dirty="0"/>
           </a:p>
@@ -653,7 +653,7 @@
             <a:fld id="{B61BEF0D-F0BB-DE4B-95CE-6DB70DBA9567}" type="datetimeFigureOut">
               <a:rPr lang="en-US" dirty="0"/>
               <a:pPr/>
-              <a:t>5/29/2022</a:t>
+              <a:t>5/31/2022</a:t>
             </a:fld>
             <a:endParaRPr lang="en-US" dirty="0"/>
           </a:p>
@@ -1051,7 +1051,7 @@
             <a:fld id="{B61BEF0D-F0BB-DE4B-95CE-6DB70DBA9567}" type="datetimeFigureOut">
               <a:rPr lang="en-US" dirty="0"/>
               <a:pPr/>
-              <a:t>5/29/2022</a:t>
+              <a:t>5/31/2022</a:t>
             </a:fld>
             <a:endParaRPr lang="en-US" dirty="0"/>
           </a:p>
@@ -1384,7 +1384,7 @@
             <a:fld id="{B61BEF0D-F0BB-DE4B-95CE-6DB70DBA9567}" type="datetimeFigureOut">
               <a:rPr lang="en-US" dirty="0"/>
               <a:pPr/>
-              <a:t>5/29/2022</a:t>
+              <a:t>5/31/2022</a:t>
             </a:fld>
             <a:endParaRPr lang="en-US" dirty="0"/>
           </a:p>
@@ -1701,7 +1701,7 @@
             <a:fld id="{B61BEF0D-F0BB-DE4B-95CE-6DB70DBA9567}" type="datetimeFigureOut">
               <a:rPr lang="en-US" dirty="0"/>
               <a:pPr/>
-              <a:t>5/29/2022</a:t>
+              <a:t>5/31/2022</a:t>
             </a:fld>
             <a:endParaRPr lang="en-US" dirty="0"/>
           </a:p>
@@ -2094,7 +2094,7 @@
             <a:fld id="{B61BEF0D-F0BB-DE4B-95CE-6DB70DBA9567}" type="datetimeFigureOut">
               <a:rPr lang="en-US" dirty="0"/>
               <a:pPr/>
-              <a:t>5/29/2022</a:t>
+              <a:t>5/31/2022</a:t>
             </a:fld>
             <a:endParaRPr lang="en-US" dirty="0"/>
           </a:p>
@@ -2348,7 +2348,7 @@
             <a:fld id="{B61BEF0D-F0BB-DE4B-95CE-6DB70DBA9567}" type="datetimeFigureOut">
               <a:rPr lang="en-US" dirty="0"/>
               <a:pPr/>
-              <a:t>5/29/2022</a:t>
+              <a:t>5/31/2022</a:t>
             </a:fld>
             <a:endParaRPr lang="en-US" dirty="0"/>
           </a:p>
@@ -2607,7 +2607,7 @@
             <a:fld id="{B61BEF0D-F0BB-DE4B-95CE-6DB70DBA9567}" type="datetimeFigureOut">
               <a:rPr lang="en-US" dirty="0"/>
               <a:pPr/>
-              <a:t>5/29/2022</a:t>
+              <a:t>5/31/2022</a:t>
             </a:fld>
             <a:endParaRPr lang="en-US" dirty="0"/>
           </a:p>
@@ -2866,7 +2866,7 @@
             <a:fld id="{B61BEF0D-F0BB-DE4B-95CE-6DB70DBA9567}" type="datetimeFigureOut">
               <a:rPr lang="en-US" dirty="0"/>
               <a:pPr/>
-              <a:t>5/29/2022</a:t>
+              <a:t>5/31/2022</a:t>
             </a:fld>
             <a:endParaRPr lang="en-US" dirty="0"/>
           </a:p>
@@ -3192,7 +3192,7 @@
             <a:fld id="{B61BEF0D-F0BB-DE4B-95CE-6DB70DBA9567}" type="datetimeFigureOut">
               <a:rPr lang="en-US" dirty="0"/>
               <a:pPr/>
-              <a:t>5/29/2022</a:t>
+              <a:t>5/31/2022</a:t>
             </a:fld>
             <a:endParaRPr lang="en-US" dirty="0"/>
           </a:p>
@@ -3512,7 +3512,7 @@
             <a:fld id="{B61BEF0D-F0BB-DE4B-95CE-6DB70DBA9567}" type="datetimeFigureOut">
               <a:rPr lang="en-US" dirty="0"/>
               <a:pPr/>
-              <a:t>5/29/2022</a:t>
+              <a:t>5/31/2022</a:t>
             </a:fld>
             <a:endParaRPr lang="en-US" dirty="0"/>
           </a:p>
@@ -3966,7 +3966,7 @@
             <a:fld id="{B61BEF0D-F0BB-DE4B-95CE-6DB70DBA9567}" type="datetimeFigureOut">
               <a:rPr lang="en-US" dirty="0"/>
               <a:pPr/>
-              <a:t>5/29/2022</a:t>
+              <a:t>5/31/2022</a:t>
             </a:fld>
             <a:endParaRPr lang="en-US" dirty="0"/>
           </a:p>
@@ -4168,7 +4168,7 @@
             <a:fld id="{B61BEF0D-F0BB-DE4B-95CE-6DB70DBA9567}" type="datetimeFigureOut">
               <a:rPr lang="en-US" dirty="0"/>
               <a:pPr/>
-              <a:t>5/29/2022</a:t>
+              <a:t>5/31/2022</a:t>
             </a:fld>
             <a:endParaRPr lang="en-US" dirty="0"/>
           </a:p>
@@ -4342,7 +4342,7 @@
             <a:fld id="{B61BEF0D-F0BB-DE4B-95CE-6DB70DBA9567}" type="datetimeFigureOut">
               <a:rPr lang="en-US" dirty="0"/>
               <a:pPr/>
-              <a:t>5/29/2022</a:t>
+              <a:t>5/31/2022</a:t>
             </a:fld>
             <a:endParaRPr lang="en-US" dirty="0"/>
           </a:p>
@@ -4672,7 +4672,7 @@
             <a:fld id="{B61BEF0D-F0BB-DE4B-95CE-6DB70DBA9567}" type="datetimeFigureOut">
               <a:rPr lang="en-US" dirty="0"/>
               <a:pPr/>
-              <a:t>5/29/2022</a:t>
+              <a:t>5/31/2022</a:t>
             </a:fld>
             <a:endParaRPr lang="en-US" dirty="0"/>
           </a:p>
@@ -5014,7 +5014,7 @@
             <a:fld id="{B61BEF0D-F0BB-DE4B-95CE-6DB70DBA9567}" type="datetimeFigureOut">
               <a:rPr lang="en-US" dirty="0"/>
               <a:pPr/>
-              <a:t>5/29/2022</a:t>
+              <a:t>5/31/2022</a:t>
             </a:fld>
             <a:endParaRPr lang="en-US" dirty="0"/>
           </a:p>
@@ -7128,7 +7128,7 @@
             <a:fld id="{B61BEF0D-F0BB-DE4B-95CE-6DB70DBA9567}" type="datetimeFigureOut">
               <a:rPr lang="en-US" dirty="0"/>
               <a:pPr/>
-              <a:t>5/29/2022</a:t>
+              <a:t>5/31/2022</a:t>
             </a:fld>
             <a:endParaRPr lang="en-US" dirty="0"/>
           </a:p>
@@ -11804,13 +11804,13 @@
   <p:clrMapOvr>
     <a:masterClrMapping/>
   </p:clrMapOvr>
-  <mc:AlternateContent xmlns:mc="http://schemas.openxmlformats.org/markup-compatibility/2006">
-    <mc:Choice xmlns:p159="http://schemas.microsoft.com/office/powerpoint/2015/09/main" Requires="p159">
+  <mc:AlternateContent xmlns:mc="http://schemas.openxmlformats.org/markup-compatibility/2006" xmlns:p159="http://schemas.microsoft.com/office/powerpoint/2015/09/main">
+    <mc:Choice Requires="p159">
       <p:transition xmlns:p14="http://schemas.microsoft.com/office/powerpoint/2010/main" spd="slow" p14:dur="2000">
         <p159:morph option="byObject"/>
       </p:transition>
     </mc:Choice>
-    <mc:Fallback>
+    <mc:Fallback xmlns="">
       <p:transition spd="slow">
         <p:fade/>
       </p:transition>
@@ -15731,13 +15731,13 @@
   <p:clrMapOvr>
     <a:masterClrMapping/>
   </p:clrMapOvr>
-  <mc:AlternateContent xmlns:mc="http://schemas.openxmlformats.org/markup-compatibility/2006">
-    <mc:Choice xmlns:p159="http://schemas.microsoft.com/office/powerpoint/2015/09/main" Requires="p159">
+  <mc:AlternateContent xmlns:mc="http://schemas.openxmlformats.org/markup-compatibility/2006" xmlns:p159="http://schemas.microsoft.com/office/powerpoint/2015/09/main">
+    <mc:Choice Requires="p159">
       <p:transition xmlns:p14="http://schemas.microsoft.com/office/powerpoint/2010/main" spd="slow" p14:dur="2000">
         <p159:morph option="byObject"/>
       </p:transition>
     </mc:Choice>
-    <mc:Fallback>
+    <mc:Fallback xmlns="">
       <p:transition spd="slow">
         <p:fade/>
       </p:transition>
@@ -16674,8 +16674,8 @@
         </p:nvSpPr>
         <p:spPr>
           <a:xfrm>
-            <a:off x="2467419" y="2029444"/>
-            <a:ext cx="8518059" cy="3887262"/>
+            <a:off x="2959415" y="1948762"/>
+            <a:ext cx="6273169" cy="3887262"/>
           </a:xfrm>
         </p:spPr>
         <p:txBody>
@@ -16778,7 +16778,7 @@
           </a:p>
           <a:p>
             <a:r>
-              <a:rPr lang="en-IN" sz="2400" b="0" i="0" u="none" strike="noStrike" baseline="0" dirty="0">
+              <a:rPr lang="en-IN" sz="2400" dirty="0">
                 <a:solidFill>
                   <a:schemeClr val="tx1"/>
                 </a:solidFill>
@@ -16791,7 +16791,16 @@
                   </a:extLst>
                 </a:hlinkClick>
               </a:rPr>
-              <a:t>https://freefrontend.com/</a:t>
+              <a:t>https://freefrontend.com</a:t>
+            </a:r>
+            <a:r>
+              <a:rPr lang="en-IN" sz="2400" dirty="0">
+                <a:solidFill>
+                  <a:schemeClr val="tx1"/>
+                </a:solidFill>
+                <a:latin typeface="Times New Roman" panose="02020603050405020304" pitchFamily="18" charset="0"/>
+              </a:rPr>
+              <a:t> </a:t>
             </a:r>
             <a:r>
               <a:rPr lang="en-IN" sz="2400" b="0" i="0" u="none" strike="noStrike" baseline="0" dirty="0">
@@ -16997,13 +17006,13 @@
   <p:clrMapOvr>
     <a:masterClrMapping/>
   </p:clrMapOvr>
-  <mc:AlternateContent xmlns:mc="http://schemas.openxmlformats.org/markup-compatibility/2006">
-    <mc:Choice xmlns:p159="http://schemas.microsoft.com/office/powerpoint/2015/09/main" Requires="p159">
+  <mc:AlternateContent xmlns:mc="http://schemas.openxmlformats.org/markup-compatibility/2006" xmlns:p159="http://schemas.microsoft.com/office/powerpoint/2015/09/main">
+    <mc:Choice Requires="p159">
       <p:transition xmlns:p14="http://schemas.microsoft.com/office/powerpoint/2010/main" spd="slow" p14:dur="2000">
         <p159:morph option="byObject"/>
       </p:transition>
     </mc:Choice>
-    <mc:Fallback>
+    <mc:Fallback xmlns="">
       <p:transition spd="slow">
         <p:fade/>
       </p:transition>
@@ -17089,7 +17098,7 @@
         </p:nvSpPr>
         <p:spPr>
           <a:xfrm>
-            <a:off x="3695245" y="1706714"/>
+            <a:off x="3695245" y="1903937"/>
             <a:ext cx="4801509" cy="4434110"/>
           </a:xfrm>
         </p:spPr>
@@ -17662,13 +17671,22 @@
           <a:p>
             <a:pPr algn="just"/>
             <a:r>
+              <a:rPr lang="en-US" sz="2400" dirty="0">
+                <a:solidFill>
+                  <a:schemeClr val="tx1"/>
+                </a:solidFill>
+                <a:latin typeface="Times New Roman" panose="02020603050405020304" pitchFamily="18" charset="0"/>
+              </a:rPr>
+              <a:t>It was</a:t>
+            </a:r>
+            <a:r>
               <a:rPr lang="en-US" sz="2400" b="0" i="0" u="none" strike="noStrike" baseline="0" dirty="0">
                 <a:solidFill>
                   <a:schemeClr val="tx1"/>
                 </a:solidFill>
                 <a:latin typeface="Times New Roman" panose="02020603050405020304" pitchFamily="18" charset="0"/>
               </a:rPr>
-              <a:t>VDP Solutions is a digital service provider that founded and funded by graphic designers from Jahirathu Junction.</a:t>
+              <a:t> founded and funded by graphic designers from Jahirathu Junction.</a:t>
             </a:r>
           </a:p>
           <a:p>
@@ -17840,22 +17858,15 @@
           </a:p>
           <a:p>
             <a:r>
-              <a:rPr lang="en-IN" sz="2200" dirty="0" err="1">
+              <a:rPr lang="en-IN" sz="2200" dirty="0">
                 <a:solidFill>
                   <a:schemeClr val="tx1"/>
                 </a:solidFill>
                 <a:latin typeface="Times New Roman" panose="02020603050405020304" pitchFamily="18" charset="0"/>
                 <a:cs typeface="Times New Roman" panose="02020603050405020304" pitchFamily="18" charset="0"/>
               </a:rPr>
-              <a:t>Pycharm</a:t>
-            </a:r>
-            <a:endParaRPr lang="en-IN" sz="2200" dirty="0">
-              <a:solidFill>
-                <a:schemeClr val="tx1"/>
-              </a:solidFill>
-              <a:latin typeface="Times New Roman" panose="02020603050405020304" pitchFamily="18" charset="0"/>
-              <a:cs typeface="Times New Roman" panose="02020603050405020304" pitchFamily="18" charset="0"/>
-            </a:endParaRPr>
+              <a:t>PyCharm</a:t>
+            </a:r>
           </a:p>
           <a:p>
             <a:r>
@@ -18840,12 +18851,12 @@
           <a:graphicData uri="http://schemas.openxmlformats.org/presentationml/2006/ole">
             <mc:AlternateContent xmlns:mc="http://schemas.openxmlformats.org/markup-compatibility/2006">
               <mc:Choice xmlns:v="urn:schemas-microsoft-com:vml" Requires="v">
-                <p:oleObj spid="_x0000_s1150" name="Bitmap Image" r:id="rId3" imgW="6408360" imgH="3954960" progId="Paint.Picture">
+                <p:oleObj name="Bitmap Image" r:id="rId2" imgW="6408360" imgH="3954960" progId="Paint.Picture">
                   <p:embed/>
                 </p:oleObj>
               </mc:Choice>
               <mc:Fallback>
-                <p:oleObj name="Bitmap Image" r:id="rId3" imgW="6408360" imgH="3954960" progId="Paint.Picture">
+                <p:oleObj name="Bitmap Image" r:id="rId2" imgW="6408360" imgH="3954960" progId="Paint.Picture">
                   <p:embed/>
                   <p:pic>
                     <p:nvPicPr>
@@ -18854,7 +18865,7 @@
                       <p:nvPr/>
                     </p:nvPicPr>
                     <p:blipFill>
-                      <a:blip r:embed="rId4"/>
+                      <a:blip r:embed="rId3"/>
                       <a:stretch>
                         <a:fillRect/>
                       </a:stretch>
